--- a/_book/plot/pro-survey-q4-1.pptx
+++ b/_book/plot/pro-survey-q4-1.pptx
@@ -3158,143 +3158,146 @@
           <p:spPr>
             <a:xfrm>
               <a:off x="4930243" y="1973107"/>
-              <a:ext cx="926291" cy="1808317"/>
+              <a:ext cx="951061" cy="1808317"/>
             </a:xfrm>
             <a:custGeom>
               <a:avLst/>
               <a:pathLst>
-                <a:path w="926291" h="1808317">
+                <a:path w="951061" h="1808317">
                   <a:moveTo>
                     <a:pt x="0" y="1808317"/>
                   </a:moveTo>
                   <a:lnTo>
-                    <a:pt x="31941" y="1754763"/>
-                  </a:lnTo>
-                  <a:lnTo>
-                    <a:pt x="63882" y="1701209"/>
-                  </a:lnTo>
-                  <a:lnTo>
-                    <a:pt x="95823" y="1647656"/>
-                  </a:lnTo>
-                  <a:lnTo>
-                    <a:pt x="127764" y="1594102"/>
-                  </a:lnTo>
-                  <a:lnTo>
-                    <a:pt x="159705" y="1540548"/>
-                  </a:lnTo>
-                  <a:lnTo>
-                    <a:pt x="191646" y="1486994"/>
-                  </a:lnTo>
-                  <a:lnTo>
-                    <a:pt x="223587" y="1433440"/>
-                  </a:lnTo>
-                  <a:lnTo>
-                    <a:pt x="255528" y="1379887"/>
-                  </a:lnTo>
-                  <a:lnTo>
-                    <a:pt x="287469" y="1326333"/>
-                  </a:lnTo>
-                  <a:lnTo>
-                    <a:pt x="319410" y="1272779"/>
-                  </a:lnTo>
-                  <a:lnTo>
-                    <a:pt x="351352" y="1219225"/>
-                  </a:lnTo>
-                  <a:lnTo>
-                    <a:pt x="383293" y="1165671"/>
-                  </a:lnTo>
-                  <a:lnTo>
-                    <a:pt x="415234" y="1112118"/>
-                  </a:lnTo>
-                  <a:lnTo>
-                    <a:pt x="447175" y="1058564"/>
-                  </a:lnTo>
-                  <a:lnTo>
-                    <a:pt x="479116" y="1005010"/>
-                  </a:lnTo>
-                  <a:lnTo>
-                    <a:pt x="511057" y="951456"/>
-                  </a:lnTo>
-                  <a:lnTo>
-                    <a:pt x="542998" y="897902"/>
-                  </a:lnTo>
-                  <a:lnTo>
-                    <a:pt x="574939" y="844349"/>
-                  </a:lnTo>
-                  <a:lnTo>
-                    <a:pt x="606880" y="790795"/>
-                  </a:lnTo>
-                  <a:lnTo>
-                    <a:pt x="638821" y="737241"/>
-                  </a:lnTo>
-                  <a:lnTo>
-                    <a:pt x="670763" y="683687"/>
-                  </a:lnTo>
-                  <a:lnTo>
-                    <a:pt x="702704" y="630133"/>
-                  </a:lnTo>
-                  <a:lnTo>
-                    <a:pt x="734645" y="576580"/>
-                  </a:lnTo>
-                  <a:lnTo>
-                    <a:pt x="766586" y="523026"/>
-                  </a:lnTo>
-                  <a:lnTo>
-                    <a:pt x="798527" y="469472"/>
-                  </a:lnTo>
-                  <a:lnTo>
-                    <a:pt x="830468" y="415918"/>
-                  </a:lnTo>
-                  <a:lnTo>
-                    <a:pt x="862409" y="362365"/>
-                  </a:lnTo>
-                  <a:lnTo>
-                    <a:pt x="894350" y="308811"/>
-                  </a:lnTo>
-                  <a:lnTo>
-                    <a:pt x="926291" y="255257"/>
-                  </a:lnTo>
-                  <a:lnTo>
-                    <a:pt x="870027" y="223052"/>
-                  </a:lnTo>
-                  <a:lnTo>
-                    <a:pt x="812644" y="192885"/>
-                  </a:lnTo>
-                  <a:lnTo>
-                    <a:pt x="754216" y="164794"/>
-                  </a:lnTo>
-                  <a:lnTo>
-                    <a:pt x="694819" y="138815"/>
-                  </a:lnTo>
-                  <a:lnTo>
-                    <a:pt x="634530" y="114982"/>
-                  </a:lnTo>
-                  <a:lnTo>
-                    <a:pt x="573424" y="93325"/>
-                  </a:lnTo>
-                  <a:lnTo>
-                    <a:pt x="511582" y="73873"/>
-                  </a:lnTo>
-                  <a:lnTo>
-                    <a:pt x="449082" y="56650"/>
-                  </a:lnTo>
-                  <a:lnTo>
-                    <a:pt x="386005" y="41678"/>
-                  </a:lnTo>
-                  <a:lnTo>
-                    <a:pt x="322431" y="28977"/>
-                  </a:lnTo>
-                  <a:lnTo>
-                    <a:pt x="258444" y="18563"/>
-                  </a:lnTo>
-                  <a:lnTo>
-                    <a:pt x="194124" y="10449"/>
-                  </a:lnTo>
-                  <a:lnTo>
-                    <a:pt x="129555" y="4646"/>
-                  </a:lnTo>
-                  <a:lnTo>
-                    <a:pt x="64819" y="1162"/>
+                    <a:pt x="32795" y="1755282"/>
+                  </a:lnTo>
+                  <a:lnTo>
+                    <a:pt x="65590" y="1702247"/>
+                  </a:lnTo>
+                  <a:lnTo>
+                    <a:pt x="98385" y="1649212"/>
+                  </a:lnTo>
+                  <a:lnTo>
+                    <a:pt x="131180" y="1596177"/>
+                  </a:lnTo>
+                  <a:lnTo>
+                    <a:pt x="163976" y="1543142"/>
+                  </a:lnTo>
+                  <a:lnTo>
+                    <a:pt x="196771" y="1490107"/>
+                  </a:lnTo>
+                  <a:lnTo>
+                    <a:pt x="229566" y="1437072"/>
+                  </a:lnTo>
+                  <a:lnTo>
+                    <a:pt x="262361" y="1384037"/>
+                  </a:lnTo>
+                  <a:lnTo>
+                    <a:pt x="295157" y="1331002"/>
+                  </a:lnTo>
+                  <a:lnTo>
+                    <a:pt x="327952" y="1277967"/>
+                  </a:lnTo>
+                  <a:lnTo>
+                    <a:pt x="360747" y="1224932"/>
+                  </a:lnTo>
+                  <a:lnTo>
+                    <a:pt x="393542" y="1171897"/>
+                  </a:lnTo>
+                  <a:lnTo>
+                    <a:pt x="426338" y="1118861"/>
+                  </a:lnTo>
+                  <a:lnTo>
+                    <a:pt x="459133" y="1065826"/>
+                  </a:lnTo>
+                  <a:lnTo>
+                    <a:pt x="491928" y="1012791"/>
+                  </a:lnTo>
+                  <a:lnTo>
+                    <a:pt x="524723" y="959756"/>
+                  </a:lnTo>
+                  <a:lnTo>
+                    <a:pt x="557519" y="906721"/>
+                  </a:lnTo>
+                  <a:lnTo>
+                    <a:pt x="590314" y="853686"/>
+                  </a:lnTo>
+                  <a:lnTo>
+                    <a:pt x="623109" y="800651"/>
+                  </a:lnTo>
+                  <a:lnTo>
+                    <a:pt x="655904" y="747616"/>
+                  </a:lnTo>
+                  <a:lnTo>
+                    <a:pt x="688699" y="694581"/>
+                  </a:lnTo>
+                  <a:lnTo>
+                    <a:pt x="721495" y="641546"/>
+                  </a:lnTo>
+                  <a:lnTo>
+                    <a:pt x="754290" y="588511"/>
+                  </a:lnTo>
+                  <a:lnTo>
+                    <a:pt x="787085" y="535476"/>
+                  </a:lnTo>
+                  <a:lnTo>
+                    <a:pt x="819880" y="482441"/>
+                  </a:lnTo>
+                  <a:lnTo>
+                    <a:pt x="852676" y="429406"/>
+                  </a:lnTo>
+                  <a:lnTo>
+                    <a:pt x="885471" y="376371"/>
+                  </a:lnTo>
+                  <a:lnTo>
+                    <a:pt x="918266" y="323336"/>
+                  </a:lnTo>
+                  <a:lnTo>
+                    <a:pt x="951061" y="270301"/>
+                  </a:lnTo>
+                  <a:lnTo>
+                    <a:pt x="897266" y="238309"/>
+                  </a:lnTo>
+                  <a:lnTo>
+                    <a:pt x="842396" y="208198"/>
+                  </a:lnTo>
+                  <a:lnTo>
+                    <a:pt x="786517" y="180004"/>
+                  </a:lnTo>
+                  <a:lnTo>
+                    <a:pt x="729695" y="153761"/>
+                  </a:lnTo>
+                  <a:lnTo>
+                    <a:pt x="671999" y="129499"/>
+                  </a:lnTo>
+                  <a:lnTo>
+                    <a:pt x="613499" y="107249"/>
+                  </a:lnTo>
+                  <a:lnTo>
+                    <a:pt x="554263" y="87037"/>
+                  </a:lnTo>
+                  <a:lnTo>
+                    <a:pt x="494363" y="68887"/>
+                  </a:lnTo>
+                  <a:lnTo>
+                    <a:pt x="433871" y="52821"/>
+                  </a:lnTo>
+                  <a:lnTo>
+                    <a:pt x="372859" y="38857"/>
+                  </a:lnTo>
+                  <a:lnTo>
+                    <a:pt x="311401" y="27014"/>
+                  </a:lnTo>
+                  <a:lnTo>
+                    <a:pt x="249570" y="17304"/>
+                  </a:lnTo>
+                  <a:lnTo>
+                    <a:pt x="187439" y="9740"/>
+                  </a:lnTo>
+                  <a:lnTo>
+                    <a:pt x="125084" y="4331"/>
+                  </a:lnTo>
+                  <a:lnTo>
+                    <a:pt x="62579" y="1083"/>
                   </a:lnTo>
                   <a:lnTo>
                     <a:pt x="0" y="0"/>
@@ -3416,279 +3419,285 @@
           </p:nvSpPr>
           <p:spPr>
             <a:xfrm>
-              <a:off x="4930243" y="2228364"/>
-              <a:ext cx="1808261" cy="1630026"/>
+              <a:off x="4930243" y="2243408"/>
+              <a:ext cx="1808260" cy="1737309"/>
             </a:xfrm>
             <a:custGeom>
               <a:avLst/>
               <a:pathLst>
-                <a:path w="1808261" h="1630026">
+                <a:path w="1808260" h="1737309">
                   <a:moveTo>
-                    <a:pt x="0" y="1553060"/>
+                    <a:pt x="0" y="1538016"/>
                   </a:moveTo>
                   <a:lnTo>
-                    <a:pt x="62299" y="1555714"/>
-                  </a:lnTo>
-                  <a:lnTo>
-                    <a:pt x="124598" y="1558368"/>
-                  </a:lnTo>
-                  <a:lnTo>
-                    <a:pt x="186897" y="1561022"/>
-                  </a:lnTo>
-                  <a:lnTo>
-                    <a:pt x="249197" y="1563676"/>
-                  </a:lnTo>
-                  <a:lnTo>
-                    <a:pt x="311496" y="1566330"/>
-                  </a:lnTo>
-                  <a:lnTo>
-                    <a:pt x="373795" y="1568984"/>
-                  </a:lnTo>
-                  <a:lnTo>
-                    <a:pt x="436094" y="1571638"/>
-                  </a:lnTo>
-                  <a:lnTo>
-                    <a:pt x="498394" y="1574292"/>
-                  </a:lnTo>
-                  <a:lnTo>
-                    <a:pt x="560693" y="1576946"/>
-                  </a:lnTo>
-                  <a:lnTo>
-                    <a:pt x="622992" y="1579600"/>
-                  </a:lnTo>
-                  <a:lnTo>
-                    <a:pt x="685291" y="1582254"/>
-                  </a:lnTo>
-                  <a:lnTo>
-                    <a:pt x="747591" y="1584908"/>
-                  </a:lnTo>
-                  <a:lnTo>
-                    <a:pt x="809890" y="1587562"/>
-                  </a:lnTo>
-                  <a:lnTo>
-                    <a:pt x="872189" y="1590216"/>
-                  </a:lnTo>
-                  <a:lnTo>
-                    <a:pt x="934489" y="1592870"/>
-                  </a:lnTo>
-                  <a:lnTo>
-                    <a:pt x="996788" y="1595524"/>
-                  </a:lnTo>
-                  <a:lnTo>
-                    <a:pt x="1059087" y="1598178"/>
-                  </a:lnTo>
-                  <a:lnTo>
-                    <a:pt x="1121386" y="1600832"/>
-                  </a:lnTo>
-                  <a:lnTo>
-                    <a:pt x="1183686" y="1603486"/>
-                  </a:lnTo>
-                  <a:lnTo>
-                    <a:pt x="1245985" y="1606140"/>
-                  </a:lnTo>
-                  <a:lnTo>
-                    <a:pt x="1308284" y="1608794"/>
-                  </a:lnTo>
-                  <a:lnTo>
-                    <a:pt x="1370583" y="1611448"/>
-                  </a:lnTo>
-                  <a:lnTo>
-                    <a:pt x="1432883" y="1614102"/>
-                  </a:lnTo>
-                  <a:lnTo>
-                    <a:pt x="1495182" y="1616756"/>
-                  </a:lnTo>
-                  <a:lnTo>
-                    <a:pt x="1557481" y="1619410"/>
-                  </a:lnTo>
-                  <a:lnTo>
-                    <a:pt x="1619780" y="1622064"/>
-                  </a:lnTo>
-                  <a:lnTo>
-                    <a:pt x="1682080" y="1624718"/>
-                  </a:lnTo>
-                  <a:lnTo>
-                    <a:pt x="1744379" y="1627372"/>
-                  </a:lnTo>
-                  <a:lnTo>
-                    <a:pt x="1806678" y="1630026"/>
-                  </a:lnTo>
-                  <a:lnTo>
-                    <a:pt x="1808261" y="1567307"/>
-                  </a:lnTo>
-                  <a:lnTo>
-                    <a:pt x="1807667" y="1504571"/>
-                  </a:lnTo>
-                  <a:lnTo>
-                    <a:pt x="1804897" y="1441894"/>
-                  </a:lnTo>
-                  <a:lnTo>
-                    <a:pt x="1799954" y="1379350"/>
-                  </a:lnTo>
-                  <a:lnTo>
-                    <a:pt x="1792845" y="1317016"/>
-                  </a:lnTo>
-                  <a:lnTo>
-                    <a:pt x="1783578" y="1254966"/>
-                  </a:lnTo>
-                  <a:lnTo>
-                    <a:pt x="1772164" y="1193274"/>
-                  </a:lnTo>
-                  <a:lnTo>
-                    <a:pt x="1758617" y="1132016"/>
-                  </a:lnTo>
-                  <a:lnTo>
-                    <a:pt x="1742952" y="1071264"/>
-                  </a:lnTo>
-                  <a:lnTo>
-                    <a:pt x="1725190" y="1011092"/>
-                  </a:lnTo>
-                  <a:lnTo>
-                    <a:pt x="1705352" y="951573"/>
-                  </a:lnTo>
-                  <a:lnTo>
-                    <a:pt x="1683460" y="892778"/>
-                  </a:lnTo>
-                  <a:lnTo>
-                    <a:pt x="1659542" y="834777"/>
-                  </a:lnTo>
-                  <a:lnTo>
-                    <a:pt x="1633627" y="777641"/>
-                  </a:lnTo>
-                  <a:lnTo>
-                    <a:pt x="1605745" y="721439"/>
-                  </a:lnTo>
-                  <a:lnTo>
-                    <a:pt x="1575930" y="666237"/>
-                  </a:lnTo>
-                  <a:lnTo>
-                    <a:pt x="1544219" y="612103"/>
-                  </a:lnTo>
-                  <a:lnTo>
-                    <a:pt x="1510648" y="559102"/>
-                  </a:lnTo>
-                  <a:lnTo>
-                    <a:pt x="1475260" y="507297"/>
-                  </a:lnTo>
-                  <a:lnTo>
-                    <a:pt x="1438095" y="456751"/>
-                  </a:lnTo>
-                  <a:lnTo>
-                    <a:pt x="1399199" y="407524"/>
-                  </a:lnTo>
-                  <a:lnTo>
-                    <a:pt x="1358620" y="359676"/>
-                  </a:lnTo>
-                  <a:lnTo>
-                    <a:pt x="1316404" y="313265"/>
-                  </a:lnTo>
-                  <a:lnTo>
-                    <a:pt x="1272605" y="268346"/>
-                  </a:lnTo>
-                  <a:lnTo>
-                    <a:pt x="1227273" y="224974"/>
-                  </a:lnTo>
-                  <a:lnTo>
-                    <a:pt x="1180464" y="183200"/>
-                  </a:lnTo>
-                  <a:lnTo>
-                    <a:pt x="1132234" y="143075"/>
-                  </a:lnTo>
-                  <a:lnTo>
-                    <a:pt x="1082642" y="104647"/>
-                  </a:lnTo>
-                  <a:lnTo>
-                    <a:pt x="1031746" y="67963"/>
-                  </a:lnTo>
-                  <a:lnTo>
-                    <a:pt x="979608" y="33067"/>
-                  </a:lnTo>
-                  <a:lnTo>
-                    <a:pt x="926291" y="0"/>
-                  </a:lnTo>
-                  <a:lnTo>
-                    <a:pt x="894350" y="53553"/>
-                  </a:lnTo>
-                  <a:lnTo>
-                    <a:pt x="862409" y="107107"/>
-                  </a:lnTo>
-                  <a:lnTo>
-                    <a:pt x="830468" y="160661"/>
-                  </a:lnTo>
-                  <a:lnTo>
-                    <a:pt x="798527" y="214215"/>
-                  </a:lnTo>
-                  <a:lnTo>
-                    <a:pt x="766586" y="267768"/>
-                  </a:lnTo>
-                  <a:lnTo>
-                    <a:pt x="734645" y="321322"/>
-                  </a:lnTo>
-                  <a:lnTo>
-                    <a:pt x="702704" y="374876"/>
-                  </a:lnTo>
-                  <a:lnTo>
-                    <a:pt x="670763" y="428430"/>
-                  </a:lnTo>
-                  <a:lnTo>
-                    <a:pt x="638821" y="481984"/>
-                  </a:lnTo>
-                  <a:lnTo>
-                    <a:pt x="606880" y="535537"/>
-                  </a:lnTo>
-                  <a:lnTo>
-                    <a:pt x="574939" y="589091"/>
-                  </a:lnTo>
-                  <a:lnTo>
-                    <a:pt x="542998" y="642645"/>
-                  </a:lnTo>
-                  <a:lnTo>
-                    <a:pt x="511057" y="696199"/>
-                  </a:lnTo>
-                  <a:lnTo>
-                    <a:pt x="479116" y="749753"/>
-                  </a:lnTo>
-                  <a:lnTo>
-                    <a:pt x="447175" y="803306"/>
-                  </a:lnTo>
-                  <a:lnTo>
-                    <a:pt x="415234" y="856860"/>
-                  </a:lnTo>
-                  <a:lnTo>
-                    <a:pt x="383293" y="910414"/>
-                  </a:lnTo>
-                  <a:lnTo>
-                    <a:pt x="351352" y="963968"/>
-                  </a:lnTo>
-                  <a:lnTo>
-                    <a:pt x="319410" y="1017522"/>
-                  </a:lnTo>
-                  <a:lnTo>
-                    <a:pt x="287469" y="1071075"/>
-                  </a:lnTo>
-                  <a:lnTo>
-                    <a:pt x="255528" y="1124629"/>
-                  </a:lnTo>
-                  <a:lnTo>
-                    <a:pt x="223587" y="1178183"/>
-                  </a:lnTo>
-                  <a:lnTo>
-                    <a:pt x="191646" y="1231737"/>
-                  </a:lnTo>
-                  <a:lnTo>
-                    <a:pt x="159705" y="1285291"/>
-                  </a:lnTo>
-                  <a:lnTo>
-                    <a:pt x="127764" y="1338844"/>
-                  </a:lnTo>
-                  <a:lnTo>
-                    <a:pt x="95823" y="1392398"/>
-                  </a:lnTo>
-                  <a:lnTo>
-                    <a:pt x="63882" y="1445952"/>
-                  </a:lnTo>
-                  <a:lnTo>
-                    <a:pt x="31941" y="1499506"/>
+                    <a:pt x="61975" y="1544888"/>
+                  </a:lnTo>
+                  <a:lnTo>
+                    <a:pt x="123951" y="1551760"/>
+                  </a:lnTo>
+                  <a:lnTo>
+                    <a:pt x="185927" y="1558632"/>
+                  </a:lnTo>
+                  <a:lnTo>
+                    <a:pt x="247903" y="1565504"/>
+                  </a:lnTo>
+                  <a:lnTo>
+                    <a:pt x="309879" y="1572376"/>
+                  </a:lnTo>
+                  <a:lnTo>
+                    <a:pt x="371855" y="1579249"/>
+                  </a:lnTo>
+                  <a:lnTo>
+                    <a:pt x="433831" y="1586121"/>
+                  </a:lnTo>
+                  <a:lnTo>
+                    <a:pt x="495807" y="1592993"/>
+                  </a:lnTo>
+                  <a:lnTo>
+                    <a:pt x="557783" y="1599865"/>
+                  </a:lnTo>
+                  <a:lnTo>
+                    <a:pt x="619759" y="1606737"/>
+                  </a:lnTo>
+                  <a:lnTo>
+                    <a:pt x="681735" y="1613610"/>
+                  </a:lnTo>
+                  <a:lnTo>
+                    <a:pt x="743711" y="1620482"/>
+                  </a:lnTo>
+                  <a:lnTo>
+                    <a:pt x="805687" y="1627354"/>
+                  </a:lnTo>
+                  <a:lnTo>
+                    <a:pt x="867662" y="1634226"/>
+                  </a:lnTo>
+                  <a:lnTo>
+                    <a:pt x="929638" y="1641098"/>
+                  </a:lnTo>
+                  <a:lnTo>
+                    <a:pt x="991614" y="1647971"/>
+                  </a:lnTo>
+                  <a:lnTo>
+                    <a:pt x="1053590" y="1654843"/>
+                  </a:lnTo>
+                  <a:lnTo>
+                    <a:pt x="1115566" y="1661715"/>
+                  </a:lnTo>
+                  <a:lnTo>
+                    <a:pt x="1177542" y="1668587"/>
+                  </a:lnTo>
+                  <a:lnTo>
+                    <a:pt x="1239518" y="1675459"/>
+                  </a:lnTo>
+                  <a:lnTo>
+                    <a:pt x="1301494" y="1682332"/>
+                  </a:lnTo>
+                  <a:lnTo>
+                    <a:pt x="1363470" y="1689204"/>
+                  </a:lnTo>
+                  <a:lnTo>
+                    <a:pt x="1425446" y="1696076"/>
+                  </a:lnTo>
+                  <a:lnTo>
+                    <a:pt x="1487422" y="1702948"/>
+                  </a:lnTo>
+                  <a:lnTo>
+                    <a:pt x="1549398" y="1709820"/>
+                  </a:lnTo>
+                  <a:lnTo>
+                    <a:pt x="1611374" y="1716693"/>
+                  </a:lnTo>
+                  <a:lnTo>
+                    <a:pt x="1673350" y="1723565"/>
+                  </a:lnTo>
+                  <a:lnTo>
+                    <a:pt x="1735325" y="1730437"/>
+                  </a:lnTo>
+                  <a:lnTo>
+                    <a:pt x="1797301" y="1737309"/>
+                  </a:lnTo>
+                  <a:lnTo>
+                    <a:pt x="1803060" y="1675802"/>
+                  </a:lnTo>
+                  <a:lnTo>
+                    <a:pt x="1806714" y="1614133"/>
+                  </a:lnTo>
+                  <a:lnTo>
+                    <a:pt x="1808260" y="1552376"/>
+                  </a:lnTo>
+                  <a:lnTo>
+                    <a:pt x="1807695" y="1490603"/>
+                  </a:lnTo>
+                  <a:lnTo>
+                    <a:pt x="1805021" y="1428884"/>
+                  </a:lnTo>
+                  <a:lnTo>
+                    <a:pt x="1800240" y="1367293"/>
+                  </a:lnTo>
+                  <a:lnTo>
+                    <a:pt x="1793358" y="1305901"/>
+                  </a:lnTo>
+                  <a:lnTo>
+                    <a:pt x="1784383" y="1244780"/>
+                  </a:lnTo>
+                  <a:lnTo>
+                    <a:pt x="1773326" y="1184001"/>
+                  </a:lnTo>
+                  <a:lnTo>
+                    <a:pt x="1760199" y="1123636"/>
+                  </a:lnTo>
+                  <a:lnTo>
+                    <a:pt x="1745017" y="1063754"/>
+                  </a:lnTo>
+                  <a:lnTo>
+                    <a:pt x="1727800" y="1004425"/>
+                  </a:lnTo>
+                  <a:lnTo>
+                    <a:pt x="1708565" y="945719"/>
+                  </a:lnTo>
+                  <a:lnTo>
+                    <a:pt x="1687337" y="887705"/>
+                  </a:lnTo>
+                  <a:lnTo>
+                    <a:pt x="1664140" y="830449"/>
+                  </a:lnTo>
+                  <a:lnTo>
+                    <a:pt x="1639000" y="774019"/>
+                  </a:lnTo>
+                  <a:lnTo>
+                    <a:pt x="1611947" y="718481"/>
+                  </a:lnTo>
+                  <a:lnTo>
+                    <a:pt x="1583014" y="663900"/>
+                  </a:lnTo>
+                  <a:lnTo>
+                    <a:pt x="1552232" y="610338"/>
+                  </a:lnTo>
+                  <a:lnTo>
+                    <a:pt x="1519639" y="557859"/>
+                  </a:lnTo>
+                  <a:lnTo>
+                    <a:pt x="1485273" y="506524"/>
+                  </a:lnTo>
+                  <a:lnTo>
+                    <a:pt x="1449173" y="456393"/>
+                  </a:lnTo>
+                  <a:lnTo>
+                    <a:pt x="1411382" y="407524"/>
+                  </a:lnTo>
+                  <a:lnTo>
+                    <a:pt x="1371944" y="359975"/>
+                  </a:lnTo>
+                  <a:lnTo>
+                    <a:pt x="1330905" y="313800"/>
+                  </a:lnTo>
+                  <a:lnTo>
+                    <a:pt x="1288312" y="269054"/>
+                  </a:lnTo>
+                  <a:lnTo>
+                    <a:pt x="1244216" y="225789"/>
+                  </a:lnTo>
+                  <a:lnTo>
+                    <a:pt x="1198668" y="184056"/>
+                  </a:lnTo>
+                  <a:lnTo>
+                    <a:pt x="1151720" y="143903"/>
+                  </a:lnTo>
+                  <a:lnTo>
+                    <a:pt x="1103429" y="105376"/>
+                  </a:lnTo>
+                  <a:lnTo>
+                    <a:pt x="1053850" y="68522"/>
+                  </a:lnTo>
+                  <a:lnTo>
+                    <a:pt x="1003041" y="33383"/>
+                  </a:lnTo>
+                  <a:lnTo>
+                    <a:pt x="951061" y="0"/>
+                  </a:lnTo>
+                  <a:lnTo>
+                    <a:pt x="918266" y="53035"/>
+                  </a:lnTo>
+                  <a:lnTo>
+                    <a:pt x="885471" y="106070"/>
+                  </a:lnTo>
+                  <a:lnTo>
+                    <a:pt x="852676" y="159105"/>
+                  </a:lnTo>
+                  <a:lnTo>
+                    <a:pt x="819880" y="212140"/>
+                  </a:lnTo>
+                  <a:lnTo>
+                    <a:pt x="787085" y="265175"/>
+                  </a:lnTo>
+                  <a:lnTo>
+                    <a:pt x="754290" y="318210"/>
+                  </a:lnTo>
+                  <a:lnTo>
+                    <a:pt x="721495" y="371245"/>
+                  </a:lnTo>
+                  <a:lnTo>
+                    <a:pt x="688699" y="424280"/>
+                  </a:lnTo>
+                  <a:lnTo>
+                    <a:pt x="655904" y="477315"/>
+                  </a:lnTo>
+                  <a:lnTo>
+                    <a:pt x="623109" y="530350"/>
+                  </a:lnTo>
+                  <a:lnTo>
+                    <a:pt x="590314" y="583385"/>
+                  </a:lnTo>
+                  <a:lnTo>
+                    <a:pt x="557519" y="636420"/>
+                  </a:lnTo>
+                  <a:lnTo>
+                    <a:pt x="524723" y="689455"/>
+                  </a:lnTo>
+                  <a:lnTo>
+                    <a:pt x="491928" y="742490"/>
+                  </a:lnTo>
+                  <a:lnTo>
+                    <a:pt x="459133" y="795525"/>
+                  </a:lnTo>
+                  <a:lnTo>
+                    <a:pt x="426338" y="848560"/>
+                  </a:lnTo>
+                  <a:lnTo>
+                    <a:pt x="393542" y="901595"/>
+                  </a:lnTo>
+                  <a:lnTo>
+                    <a:pt x="360747" y="954630"/>
+                  </a:lnTo>
+                  <a:lnTo>
+                    <a:pt x="327952" y="1007665"/>
+                  </a:lnTo>
+                  <a:lnTo>
+                    <a:pt x="295157" y="1060700"/>
+                  </a:lnTo>
+                  <a:lnTo>
+                    <a:pt x="262361" y="1113735"/>
+                  </a:lnTo>
+                  <a:lnTo>
+                    <a:pt x="229566" y="1166770"/>
+                  </a:lnTo>
+                  <a:lnTo>
+                    <a:pt x="196771" y="1219805"/>
+                  </a:lnTo>
+                  <a:lnTo>
+                    <a:pt x="163976" y="1272840"/>
+                  </a:lnTo>
+                  <a:lnTo>
+                    <a:pt x="131180" y="1325875"/>
+                  </a:lnTo>
+                  <a:lnTo>
+                    <a:pt x="98385" y="1378910"/>
+                  </a:lnTo>
+                  <a:lnTo>
+                    <a:pt x="65590" y="1431945"/>
+                  </a:lnTo>
+                  <a:lnTo>
+                    <a:pt x="32795" y="1484980"/>
                   </a:lnTo>
                   <a:close/>
                 </a:path>
@@ -3724,296 +3733,290 @@
           <p:spPr>
             <a:xfrm>
               <a:off x="4930243" y="3781425"/>
-              <a:ext cx="1806678" cy="1741165"/>
+              <a:ext cx="1797301" cy="1744233"/>
             </a:xfrm>
             <a:custGeom>
               <a:avLst/>
               <a:pathLst>
-                <a:path w="1806678" h="1741165">
+                <a:path w="1797301" h="1744233">
                   <a:moveTo>
                     <a:pt x="0" y="0"/>
                   </a:moveTo>
                   <a:lnTo>
-                    <a:pt x="16835" y="60040"/>
-                  </a:lnTo>
-                  <a:lnTo>
-                    <a:pt x="33670" y="120080"/>
-                  </a:lnTo>
-                  <a:lnTo>
-                    <a:pt x="50505" y="180120"/>
-                  </a:lnTo>
-                  <a:lnTo>
-                    <a:pt x="67340" y="240160"/>
-                  </a:lnTo>
-                  <a:lnTo>
-                    <a:pt x="84175" y="300200"/>
-                  </a:lnTo>
-                  <a:lnTo>
-                    <a:pt x="101010" y="360241"/>
-                  </a:lnTo>
-                  <a:lnTo>
-                    <a:pt x="117845" y="420281"/>
-                  </a:lnTo>
-                  <a:lnTo>
-                    <a:pt x="134680" y="480321"/>
-                  </a:lnTo>
-                  <a:lnTo>
-                    <a:pt x="151515" y="540361"/>
-                  </a:lnTo>
-                  <a:lnTo>
-                    <a:pt x="168350" y="600401"/>
-                  </a:lnTo>
-                  <a:lnTo>
-                    <a:pt x="185185" y="660441"/>
-                  </a:lnTo>
-                  <a:lnTo>
-                    <a:pt x="202021" y="720482"/>
-                  </a:lnTo>
-                  <a:lnTo>
-                    <a:pt x="218856" y="780522"/>
-                  </a:lnTo>
-                  <a:lnTo>
-                    <a:pt x="235691" y="840562"/>
-                  </a:lnTo>
-                  <a:lnTo>
-                    <a:pt x="252526" y="900602"/>
-                  </a:lnTo>
-                  <a:lnTo>
-                    <a:pt x="269361" y="960642"/>
-                  </a:lnTo>
-                  <a:lnTo>
-                    <a:pt x="286196" y="1020682"/>
-                  </a:lnTo>
-                  <a:lnTo>
-                    <a:pt x="303031" y="1080723"/>
-                  </a:lnTo>
-                  <a:lnTo>
-                    <a:pt x="319866" y="1140763"/>
-                  </a:lnTo>
-                  <a:lnTo>
-                    <a:pt x="336701" y="1200803"/>
-                  </a:lnTo>
-                  <a:lnTo>
-                    <a:pt x="353536" y="1260843"/>
-                  </a:lnTo>
-                  <a:lnTo>
-                    <a:pt x="370371" y="1320883"/>
-                  </a:lnTo>
-                  <a:lnTo>
-                    <a:pt x="387206" y="1380923"/>
-                  </a:lnTo>
-                  <a:lnTo>
-                    <a:pt x="404042" y="1440964"/>
-                  </a:lnTo>
-                  <a:lnTo>
-                    <a:pt x="420877" y="1501004"/>
-                  </a:lnTo>
-                  <a:lnTo>
-                    <a:pt x="437712" y="1561044"/>
-                  </a:lnTo>
-                  <a:lnTo>
-                    <a:pt x="454547" y="1621084"/>
-                  </a:lnTo>
-                  <a:lnTo>
-                    <a:pt x="471382" y="1681124"/>
-                  </a:lnTo>
-                  <a:lnTo>
-                    <a:pt x="488217" y="1741165"/>
-                  </a:lnTo>
-                  <a:lnTo>
-                    <a:pt x="546976" y="1723609"/>
-                  </a:lnTo>
-                  <a:lnTo>
-                    <a:pt x="605106" y="1704071"/>
-                  </a:lnTo>
-                  <a:lnTo>
-                    <a:pt x="662540" y="1682573"/>
-                  </a:lnTo>
-                  <a:lnTo>
-                    <a:pt x="719212" y="1659139"/>
-                  </a:lnTo>
-                  <a:lnTo>
-                    <a:pt x="775057" y="1633798"/>
-                  </a:lnTo>
-                  <a:lnTo>
-                    <a:pt x="830010" y="1606578"/>
-                  </a:lnTo>
-                  <a:lnTo>
-                    <a:pt x="884009" y="1577510"/>
-                  </a:lnTo>
-                  <a:lnTo>
-                    <a:pt x="936992" y="1546627"/>
-                  </a:lnTo>
-                  <a:lnTo>
-                    <a:pt x="988896" y="1513966"/>
-                  </a:lnTo>
-                  <a:lnTo>
-                    <a:pt x="1039663" y="1479564"/>
-                  </a:lnTo>
-                  <a:lnTo>
-                    <a:pt x="1089235" y="1443460"/>
-                  </a:lnTo>
-                  <a:lnTo>
-                    <a:pt x="1137554" y="1405696"/>
-                  </a:lnTo>
-                  <a:lnTo>
-                    <a:pt x="1184564" y="1366315"/>
-                  </a:lnTo>
-                  <a:lnTo>
-                    <a:pt x="1230212" y="1325363"/>
-                  </a:lnTo>
-                  <a:lnTo>
-                    <a:pt x="1274446" y="1282886"/>
-                  </a:lnTo>
-                  <a:lnTo>
-                    <a:pt x="1317213" y="1238935"/>
-                  </a:lnTo>
-                  <a:lnTo>
-                    <a:pt x="1358466" y="1193558"/>
-                  </a:lnTo>
-                  <a:lnTo>
-                    <a:pt x="1398156" y="1146808"/>
-                  </a:lnTo>
-                  <a:lnTo>
-                    <a:pt x="1436238" y="1098740"/>
-                  </a:lnTo>
-                  <a:lnTo>
-                    <a:pt x="1472669" y="1049408"/>
-                  </a:lnTo>
-                  <a:lnTo>
-                    <a:pt x="1507405" y="998869"/>
-                  </a:lnTo>
-                  <a:lnTo>
-                    <a:pt x="1540408" y="947181"/>
-                  </a:lnTo>
-                  <a:lnTo>
-                    <a:pt x="1571640" y="894404"/>
-                  </a:lnTo>
-                  <a:lnTo>
-                    <a:pt x="1601064" y="840598"/>
-                  </a:lnTo>
-                  <a:lnTo>
-                    <a:pt x="1628646" y="785825"/>
-                  </a:lnTo>
-                  <a:lnTo>
-                    <a:pt x="1654356" y="730149"/>
-                  </a:lnTo>
-                  <a:lnTo>
-                    <a:pt x="1678162" y="673633"/>
-                  </a:lnTo>
-                  <a:lnTo>
-                    <a:pt x="1700039" y="616342"/>
-                  </a:lnTo>
-                  <a:lnTo>
-                    <a:pt x="1719960" y="558342"/>
-                  </a:lnTo>
-                  <a:lnTo>
-                    <a:pt x="1737904" y="499700"/>
-                  </a:lnTo>
-                  <a:lnTo>
-                    <a:pt x="1753848" y="440484"/>
-                  </a:lnTo>
-                  <a:lnTo>
-                    <a:pt x="1767776" y="380760"/>
-                  </a:lnTo>
-                  <a:lnTo>
-                    <a:pt x="1779670" y="320599"/>
-                  </a:lnTo>
-                  <a:lnTo>
-                    <a:pt x="1789518" y="260069"/>
-                  </a:lnTo>
-                  <a:lnTo>
-                    <a:pt x="1797307" y="199241"/>
-                  </a:lnTo>
-                  <a:lnTo>
-                    <a:pt x="1803030" y="138182"/>
-                  </a:lnTo>
-                  <a:lnTo>
-                    <a:pt x="1806678" y="76966"/>
-                  </a:lnTo>
-                  <a:lnTo>
-                    <a:pt x="1744379" y="74312"/>
-                  </a:lnTo>
-                  <a:lnTo>
-                    <a:pt x="1682080" y="71658"/>
-                  </a:lnTo>
-                  <a:lnTo>
-                    <a:pt x="1619780" y="69004"/>
-                  </a:lnTo>
-                  <a:lnTo>
-                    <a:pt x="1557481" y="66350"/>
-                  </a:lnTo>
-                  <a:lnTo>
-                    <a:pt x="1495182" y="63696"/>
-                  </a:lnTo>
-                  <a:lnTo>
-                    <a:pt x="1432883" y="61042"/>
-                  </a:lnTo>
-                  <a:lnTo>
-                    <a:pt x="1370583" y="58388"/>
-                  </a:lnTo>
-                  <a:lnTo>
-                    <a:pt x="1308284" y="55734"/>
-                  </a:lnTo>
-                  <a:lnTo>
-                    <a:pt x="1245985" y="53080"/>
-                  </a:lnTo>
-                  <a:lnTo>
-                    <a:pt x="1183686" y="50426"/>
-                  </a:lnTo>
-                  <a:lnTo>
-                    <a:pt x="1121386" y="47772"/>
-                  </a:lnTo>
-                  <a:lnTo>
-                    <a:pt x="1059087" y="45118"/>
-                  </a:lnTo>
-                  <a:lnTo>
-                    <a:pt x="996788" y="42464"/>
-                  </a:lnTo>
-                  <a:lnTo>
-                    <a:pt x="934489" y="39810"/>
-                  </a:lnTo>
-                  <a:lnTo>
-                    <a:pt x="872189" y="37156"/>
-                  </a:lnTo>
-                  <a:lnTo>
-                    <a:pt x="809890" y="34502"/>
-                  </a:lnTo>
-                  <a:lnTo>
-                    <a:pt x="747591" y="31848"/>
-                  </a:lnTo>
-                  <a:lnTo>
-                    <a:pt x="685291" y="29194"/>
-                  </a:lnTo>
-                  <a:lnTo>
-                    <a:pt x="622992" y="26540"/>
-                  </a:lnTo>
-                  <a:lnTo>
-                    <a:pt x="560693" y="23886"/>
-                  </a:lnTo>
-                  <a:lnTo>
-                    <a:pt x="498394" y="21232"/>
-                  </a:lnTo>
-                  <a:lnTo>
-                    <a:pt x="436094" y="18578"/>
-                  </a:lnTo>
-                  <a:lnTo>
-                    <a:pt x="373795" y="15924"/>
-                  </a:lnTo>
-                  <a:lnTo>
-                    <a:pt x="311496" y="13270"/>
-                  </a:lnTo>
-                  <a:lnTo>
-                    <a:pt x="249197" y="10616"/>
-                  </a:lnTo>
-                  <a:lnTo>
-                    <a:pt x="186897" y="7962"/>
-                  </a:lnTo>
-                  <a:lnTo>
-                    <a:pt x="124598" y="5308"/>
-                  </a:lnTo>
-                  <a:lnTo>
-                    <a:pt x="62299" y="2654"/>
+                    <a:pt x="16453" y="60145"/>
+                  </a:lnTo>
+                  <a:lnTo>
+                    <a:pt x="32906" y="120291"/>
+                  </a:lnTo>
+                  <a:lnTo>
+                    <a:pt x="49359" y="180437"/>
+                  </a:lnTo>
+                  <a:lnTo>
+                    <a:pt x="65812" y="240583"/>
+                  </a:lnTo>
+                  <a:lnTo>
+                    <a:pt x="82265" y="300729"/>
+                  </a:lnTo>
+                  <a:lnTo>
+                    <a:pt x="98718" y="360875"/>
+                  </a:lnTo>
+                  <a:lnTo>
+                    <a:pt x="115171" y="421021"/>
+                  </a:lnTo>
+                  <a:lnTo>
+                    <a:pt x="131624" y="481167"/>
+                  </a:lnTo>
+                  <a:lnTo>
+                    <a:pt x="148077" y="541313"/>
+                  </a:lnTo>
+                  <a:lnTo>
+                    <a:pt x="164530" y="601459"/>
+                  </a:lnTo>
+                  <a:lnTo>
+                    <a:pt x="180983" y="661605"/>
+                  </a:lnTo>
+                  <a:lnTo>
+                    <a:pt x="197436" y="721751"/>
+                  </a:lnTo>
+                  <a:lnTo>
+                    <a:pt x="213889" y="781897"/>
+                  </a:lnTo>
+                  <a:lnTo>
+                    <a:pt x="230342" y="842043"/>
+                  </a:lnTo>
+                  <a:lnTo>
+                    <a:pt x="246795" y="902189"/>
+                  </a:lnTo>
+                  <a:lnTo>
+                    <a:pt x="263248" y="962335"/>
+                  </a:lnTo>
+                  <a:lnTo>
+                    <a:pt x="279701" y="1022481"/>
+                  </a:lnTo>
+                  <a:lnTo>
+                    <a:pt x="296154" y="1082627"/>
+                  </a:lnTo>
+                  <a:lnTo>
+                    <a:pt x="312607" y="1142773"/>
+                  </a:lnTo>
+                  <a:lnTo>
+                    <a:pt x="329060" y="1202919"/>
+                  </a:lnTo>
+                  <a:lnTo>
+                    <a:pt x="345513" y="1263065"/>
+                  </a:lnTo>
+                  <a:lnTo>
+                    <a:pt x="361966" y="1323211"/>
+                  </a:lnTo>
+                  <a:lnTo>
+                    <a:pt x="378419" y="1383357"/>
+                  </a:lnTo>
+                  <a:lnTo>
+                    <a:pt x="394872" y="1443503"/>
+                  </a:lnTo>
+                  <a:lnTo>
+                    <a:pt x="411325" y="1503649"/>
+                  </a:lnTo>
+                  <a:lnTo>
+                    <a:pt x="427778" y="1563795"/>
+                  </a:lnTo>
+                  <a:lnTo>
+                    <a:pt x="444231" y="1623941"/>
+                  </a:lnTo>
+                  <a:lnTo>
+                    <a:pt x="460684" y="1684087"/>
+                  </a:lnTo>
+                  <a:lnTo>
+                    <a:pt x="477137" y="1744233"/>
+                  </a:lnTo>
+                  <a:lnTo>
+                    <a:pt x="536319" y="1726955"/>
+                  </a:lnTo>
+                  <a:lnTo>
+                    <a:pt x="594877" y="1707668"/>
+                  </a:lnTo>
+                  <a:lnTo>
+                    <a:pt x="652744" y="1686397"/>
+                  </a:lnTo>
+                  <a:lnTo>
+                    <a:pt x="709852" y="1663166"/>
+                  </a:lnTo>
+                  <a:lnTo>
+                    <a:pt x="766135" y="1638001"/>
+                  </a:lnTo>
+                  <a:lnTo>
+                    <a:pt x="821527" y="1610932"/>
+                  </a:lnTo>
+                  <a:lnTo>
+                    <a:pt x="875965" y="1581991"/>
+                  </a:lnTo>
+                  <a:lnTo>
+                    <a:pt x="929384" y="1551211"/>
+                  </a:lnTo>
+                  <a:lnTo>
+                    <a:pt x="981723" y="1518627"/>
+                  </a:lnTo>
+                  <a:lnTo>
+                    <a:pt x="1032921" y="1484279"/>
+                  </a:lnTo>
+                  <a:lnTo>
+                    <a:pt x="1082918" y="1448205"/>
+                  </a:lnTo>
+                  <a:lnTo>
+                    <a:pt x="1131657" y="1410448"/>
+                  </a:lnTo>
+                  <a:lnTo>
+                    <a:pt x="1179080" y="1371051"/>
+                  </a:lnTo>
+                  <a:lnTo>
+                    <a:pt x="1225132" y="1330061"/>
+                  </a:lnTo>
+                  <a:lnTo>
+                    <a:pt x="1269760" y="1287524"/>
+                  </a:lnTo>
+                  <a:lnTo>
+                    <a:pt x="1312913" y="1243491"/>
+                  </a:lnTo>
+                  <a:lnTo>
+                    <a:pt x="1354539" y="1198013"/>
+                  </a:lnTo>
+                  <a:lnTo>
+                    <a:pt x="1394591" y="1151141"/>
+                  </a:lnTo>
+                  <a:lnTo>
+                    <a:pt x="1433021" y="1102932"/>
+                  </a:lnTo>
+                  <a:lnTo>
+                    <a:pt x="1469786" y="1053441"/>
+                  </a:lnTo>
+                  <a:lnTo>
+                    <a:pt x="1504843" y="1002725"/>
+                  </a:lnTo>
+                  <a:lnTo>
+                    <a:pt x="1538150" y="950844"/>
+                  </a:lnTo>
+                  <a:lnTo>
+                    <a:pt x="1569669" y="897858"/>
+                  </a:lnTo>
+                  <a:lnTo>
+                    <a:pt x="1599364" y="843827"/>
+                  </a:lnTo>
+                  <a:lnTo>
+                    <a:pt x="1627200" y="788816"/>
+                  </a:lnTo>
+                  <a:lnTo>
+                    <a:pt x="1653144" y="732888"/>
+                  </a:lnTo>
+                  <a:lnTo>
+                    <a:pt x="1677166" y="676109"/>
+                  </a:lnTo>
+                  <a:lnTo>
+                    <a:pt x="1699239" y="618543"/>
+                  </a:lnTo>
+                  <a:lnTo>
+                    <a:pt x="1719337" y="560258"/>
+                  </a:lnTo>
+                  <a:lnTo>
+                    <a:pt x="1737437" y="501322"/>
+                  </a:lnTo>
+                  <a:lnTo>
+                    <a:pt x="1753516" y="441803"/>
+                  </a:lnTo>
+                  <a:lnTo>
+                    <a:pt x="1767558" y="381771"/>
+                  </a:lnTo>
+                  <a:lnTo>
+                    <a:pt x="1779545" y="321295"/>
+                  </a:lnTo>
+                  <a:lnTo>
+                    <a:pt x="1789463" y="260445"/>
+                  </a:lnTo>
+                  <a:lnTo>
+                    <a:pt x="1797301" y="199293"/>
+                  </a:lnTo>
+                  <a:lnTo>
+                    <a:pt x="1735325" y="192421"/>
+                  </a:lnTo>
+                  <a:lnTo>
+                    <a:pt x="1673350" y="185549"/>
+                  </a:lnTo>
+                  <a:lnTo>
+                    <a:pt x="1611374" y="178677"/>
+                  </a:lnTo>
+                  <a:lnTo>
+                    <a:pt x="1549398" y="171804"/>
+                  </a:lnTo>
+                  <a:lnTo>
+                    <a:pt x="1487422" y="164932"/>
+                  </a:lnTo>
+                  <a:lnTo>
+                    <a:pt x="1425446" y="158060"/>
+                  </a:lnTo>
+                  <a:lnTo>
+                    <a:pt x="1363470" y="151188"/>
+                  </a:lnTo>
+                  <a:lnTo>
+                    <a:pt x="1301494" y="144316"/>
+                  </a:lnTo>
+                  <a:lnTo>
+                    <a:pt x="1239518" y="137443"/>
+                  </a:lnTo>
+                  <a:lnTo>
+                    <a:pt x="1177542" y="130571"/>
+                  </a:lnTo>
+                  <a:lnTo>
+                    <a:pt x="1115566" y="123699"/>
+                  </a:lnTo>
+                  <a:lnTo>
+                    <a:pt x="1053590" y="116827"/>
+                  </a:lnTo>
+                  <a:lnTo>
+                    <a:pt x="991614" y="109955"/>
+                  </a:lnTo>
+                  <a:lnTo>
+                    <a:pt x="929638" y="103082"/>
+                  </a:lnTo>
+                  <a:lnTo>
+                    <a:pt x="867662" y="96210"/>
+                  </a:lnTo>
+                  <a:lnTo>
+                    <a:pt x="805687" y="89338"/>
+                  </a:lnTo>
+                  <a:lnTo>
+                    <a:pt x="743711" y="82466"/>
+                  </a:lnTo>
+                  <a:lnTo>
+                    <a:pt x="681735" y="75594"/>
+                  </a:lnTo>
+                  <a:lnTo>
+                    <a:pt x="619759" y="68721"/>
+                  </a:lnTo>
+                  <a:lnTo>
+                    <a:pt x="557783" y="61849"/>
+                  </a:lnTo>
+                  <a:lnTo>
+                    <a:pt x="495807" y="54977"/>
+                  </a:lnTo>
+                  <a:lnTo>
+                    <a:pt x="433831" y="48105"/>
+                  </a:lnTo>
+                  <a:lnTo>
+                    <a:pt x="371855" y="41233"/>
+                  </a:lnTo>
+                  <a:lnTo>
+                    <a:pt x="309879" y="34360"/>
+                  </a:lnTo>
+                  <a:lnTo>
+                    <a:pt x="247903" y="27488"/>
+                  </a:lnTo>
+                  <a:lnTo>
+                    <a:pt x="185927" y="20616"/>
+                  </a:lnTo>
+                  <a:lnTo>
+                    <a:pt x="123951" y="13744"/>
+                  </a:lnTo>
+                  <a:lnTo>
+                    <a:pt x="61975" y="6872"/>
                   </a:lnTo>
                   <a:close/>
                 </a:path>
@@ -4048,486 +4051,486 @@
           </p:nvSpPr>
           <p:spPr>
             <a:xfrm>
-              <a:off x="3121926" y="1973107"/>
-              <a:ext cx="2296534" cy="3616634"/>
+              <a:off x="3121933" y="1973107"/>
+              <a:ext cx="2285447" cy="3616605"/>
             </a:xfrm>
             <a:custGeom>
               <a:avLst/>
               <a:pathLst>
-                <a:path w="2296534" h="3616634">
+                <a:path w="2285447" h="3616605">
                   <a:moveTo>
-                    <a:pt x="1808317" y="1808317"/>
+                    <a:pt x="1808310" y="1808317"/>
                   </a:moveTo>
                   <a:lnTo>
-                    <a:pt x="1808317" y="1745961"/>
-                  </a:lnTo>
-                  <a:lnTo>
-                    <a:pt x="1808317" y="1683605"/>
-                  </a:lnTo>
-                  <a:lnTo>
-                    <a:pt x="1808317" y="1621250"/>
-                  </a:lnTo>
-                  <a:lnTo>
-                    <a:pt x="1808317" y="1558894"/>
-                  </a:lnTo>
-                  <a:lnTo>
-                    <a:pt x="1808317" y="1496538"/>
-                  </a:lnTo>
-                  <a:lnTo>
-                    <a:pt x="1808317" y="1434182"/>
-                  </a:lnTo>
-                  <a:lnTo>
-                    <a:pt x="1808317" y="1371827"/>
-                  </a:lnTo>
-                  <a:lnTo>
-                    <a:pt x="1808317" y="1309471"/>
-                  </a:lnTo>
-                  <a:lnTo>
-                    <a:pt x="1808317" y="1247115"/>
-                  </a:lnTo>
-                  <a:lnTo>
-                    <a:pt x="1808317" y="1184759"/>
-                  </a:lnTo>
-                  <a:lnTo>
-                    <a:pt x="1808317" y="1122403"/>
-                  </a:lnTo>
-                  <a:lnTo>
-                    <a:pt x="1808317" y="1060048"/>
-                  </a:lnTo>
-                  <a:lnTo>
-                    <a:pt x="1808317" y="997692"/>
-                  </a:lnTo>
-                  <a:lnTo>
-                    <a:pt x="1808317" y="935336"/>
-                  </a:lnTo>
-                  <a:lnTo>
-                    <a:pt x="1808317" y="872980"/>
-                  </a:lnTo>
-                  <a:lnTo>
-                    <a:pt x="1808317" y="810625"/>
-                  </a:lnTo>
-                  <a:lnTo>
-                    <a:pt x="1808317" y="748269"/>
-                  </a:lnTo>
-                  <a:lnTo>
-                    <a:pt x="1808317" y="685913"/>
-                  </a:lnTo>
-                  <a:lnTo>
-                    <a:pt x="1808317" y="623557"/>
-                  </a:lnTo>
-                  <a:lnTo>
-                    <a:pt x="1808317" y="561201"/>
-                  </a:lnTo>
-                  <a:lnTo>
-                    <a:pt x="1808317" y="498846"/>
-                  </a:lnTo>
-                  <a:lnTo>
-                    <a:pt x="1808317" y="436490"/>
-                  </a:lnTo>
-                  <a:lnTo>
-                    <a:pt x="1808317" y="374134"/>
-                  </a:lnTo>
-                  <a:lnTo>
-                    <a:pt x="1808317" y="311778"/>
-                  </a:lnTo>
-                  <a:lnTo>
-                    <a:pt x="1808317" y="249423"/>
-                  </a:lnTo>
-                  <a:lnTo>
-                    <a:pt x="1808317" y="187067"/>
-                  </a:lnTo>
-                  <a:lnTo>
-                    <a:pt x="1808317" y="124711"/>
-                  </a:lnTo>
-                  <a:lnTo>
-                    <a:pt x="1808317" y="62355"/>
-                  </a:lnTo>
-                  <a:lnTo>
-                    <a:pt x="1808317" y="0"/>
-                  </a:lnTo>
-                  <a:lnTo>
-                    <a:pt x="1746575" y="1054"/>
-                  </a:lnTo>
-                  <a:lnTo>
-                    <a:pt x="1684906" y="4216"/>
-                  </a:lnTo>
-                  <a:lnTo>
-                    <a:pt x="1623380" y="9481"/>
-                  </a:lnTo>
-                  <a:lnTo>
-                    <a:pt x="1562070" y="16844"/>
-                  </a:lnTo>
-                  <a:lnTo>
-                    <a:pt x="1501048" y="26296"/>
-                  </a:lnTo>
-                  <a:lnTo>
-                    <a:pt x="1440383" y="37826"/>
-                  </a:lnTo>
-                  <a:lnTo>
-                    <a:pt x="1380148" y="51421"/>
-                  </a:lnTo>
-                  <a:lnTo>
-                    <a:pt x="1320412" y="67064"/>
-                  </a:lnTo>
-                  <a:lnTo>
-                    <a:pt x="1261244" y="84738"/>
-                  </a:lnTo>
-                  <a:lnTo>
-                    <a:pt x="1202715" y="104422"/>
-                  </a:lnTo>
-                  <a:lnTo>
-                    <a:pt x="1144892" y="126092"/>
-                  </a:lnTo>
-                  <a:lnTo>
-                    <a:pt x="1087843" y="149725"/>
-                  </a:lnTo>
-                  <a:lnTo>
-                    <a:pt x="1031633" y="175291"/>
-                  </a:lnTo>
-                  <a:lnTo>
-                    <a:pt x="976330" y="202761"/>
-                  </a:lnTo>
-                  <a:lnTo>
-                    <a:pt x="921996" y="232104"/>
-                  </a:lnTo>
-                  <a:lnTo>
-                    <a:pt x="868696" y="263285"/>
-                  </a:lnTo>
-                  <a:lnTo>
-                    <a:pt x="816492" y="296267"/>
-                  </a:lnTo>
-                  <a:lnTo>
-                    <a:pt x="765444" y="331013"/>
-                  </a:lnTo>
-                  <a:lnTo>
-                    <a:pt x="715612" y="367481"/>
-                  </a:lnTo>
-                  <a:lnTo>
-                    <a:pt x="667055" y="405629"/>
-                  </a:lnTo>
-                  <a:lnTo>
-                    <a:pt x="619828" y="445413"/>
-                  </a:lnTo>
-                  <a:lnTo>
-                    <a:pt x="573988" y="486786"/>
-                  </a:lnTo>
-                  <a:lnTo>
-                    <a:pt x="529586" y="529701"/>
-                  </a:lnTo>
-                  <a:lnTo>
-                    <a:pt x="486676" y="574106"/>
-                  </a:lnTo>
-                  <a:lnTo>
-                    <a:pt x="445307" y="619950"/>
-                  </a:lnTo>
-                  <a:lnTo>
-                    <a:pt x="405527" y="667181"/>
-                  </a:lnTo>
-                  <a:lnTo>
-                    <a:pt x="367383" y="715742"/>
-                  </a:lnTo>
-                  <a:lnTo>
-                    <a:pt x="330919" y="765576"/>
-                  </a:lnTo>
-                  <a:lnTo>
-                    <a:pt x="296178" y="816627"/>
-                  </a:lnTo>
-                  <a:lnTo>
-                    <a:pt x="263201" y="868835"/>
-                  </a:lnTo>
-                  <a:lnTo>
-                    <a:pt x="232025" y="922137"/>
-                  </a:lnTo>
-                  <a:lnTo>
-                    <a:pt x="202687" y="976473"/>
-                  </a:lnTo>
-                  <a:lnTo>
-                    <a:pt x="175221" y="1031780"/>
-                  </a:lnTo>
-                  <a:lnTo>
-                    <a:pt x="149660" y="1087991"/>
-                  </a:lnTo>
-                  <a:lnTo>
-                    <a:pt x="126033" y="1145043"/>
-                  </a:lnTo>
-                  <a:lnTo>
-                    <a:pt x="104368" y="1202868"/>
-                  </a:lnTo>
-                  <a:lnTo>
-                    <a:pt x="84689" y="1261399"/>
-                  </a:lnTo>
-                  <a:lnTo>
-                    <a:pt x="67021" y="1320568"/>
-                  </a:lnTo>
-                  <a:lnTo>
-                    <a:pt x="51383" y="1380305"/>
-                  </a:lnTo>
-                  <a:lnTo>
-                    <a:pt x="37793" y="1440542"/>
-                  </a:lnTo>
-                  <a:lnTo>
-                    <a:pt x="26269" y="1501207"/>
-                  </a:lnTo>
-                  <a:lnTo>
-                    <a:pt x="16822" y="1562231"/>
-                  </a:lnTo>
-                  <a:lnTo>
-                    <a:pt x="9465" y="1623542"/>
-                  </a:lnTo>
-                  <a:lnTo>
-                    <a:pt x="4205" y="1685068"/>
-                  </a:lnTo>
-                  <a:lnTo>
-                    <a:pt x="1048" y="1746737"/>
-                  </a:lnTo>
-                  <a:lnTo>
-                    <a:pt x="0" y="1808479"/>
-                  </a:lnTo>
-                  <a:lnTo>
-                    <a:pt x="1059" y="1870220"/>
-                  </a:lnTo>
-                  <a:lnTo>
-                    <a:pt x="4227" y="1931890"/>
-                  </a:lnTo>
-                  <a:lnTo>
-                    <a:pt x="9498" y="1993415"/>
-                  </a:lnTo>
-                  <a:lnTo>
-                    <a:pt x="16866" y="2054724"/>
-                  </a:lnTo>
-                  <a:lnTo>
-                    <a:pt x="26324" y="2115746"/>
-                  </a:lnTo>
-                  <a:lnTo>
-                    <a:pt x="37859" y="2176409"/>
-                  </a:lnTo>
-                  <a:lnTo>
-                    <a:pt x="51459" y="2236644"/>
-                  </a:lnTo>
-                  <a:lnTo>
-                    <a:pt x="67108" y="2296378"/>
-                  </a:lnTo>
-                  <a:lnTo>
-                    <a:pt x="84787" y="2355544"/>
-                  </a:lnTo>
-                  <a:lnTo>
-                    <a:pt x="104476" y="2414072"/>
-                  </a:lnTo>
-                  <a:lnTo>
-                    <a:pt x="126152" y="2471893"/>
-                  </a:lnTo>
-                  <a:lnTo>
-                    <a:pt x="149789" y="2528940"/>
-                  </a:lnTo>
-                  <a:lnTo>
-                    <a:pt x="175360" y="2585147"/>
-                  </a:lnTo>
-                  <a:lnTo>
-                    <a:pt x="202836" y="2640448"/>
-                  </a:lnTo>
-                  <a:lnTo>
-                    <a:pt x="232183" y="2694779"/>
-                  </a:lnTo>
-                  <a:lnTo>
-                    <a:pt x="263369" y="2748076"/>
-                  </a:lnTo>
-                  <a:lnTo>
-                    <a:pt x="296356" y="2800278"/>
-                  </a:lnTo>
-                  <a:lnTo>
-                    <a:pt x="331106" y="2851322"/>
-                  </a:lnTo>
-                  <a:lnTo>
-                    <a:pt x="367579" y="2901151"/>
-                  </a:lnTo>
-                  <a:lnTo>
-                    <a:pt x="405731" y="2949705"/>
-                  </a:lnTo>
-                  <a:lnTo>
-                    <a:pt x="445520" y="2996928"/>
-                  </a:lnTo>
-                  <a:lnTo>
-                    <a:pt x="486897" y="3042765"/>
-                  </a:lnTo>
-                  <a:lnTo>
-                    <a:pt x="529815" y="3087162"/>
-                  </a:lnTo>
-                  <a:lnTo>
-                    <a:pt x="574224" y="3130069"/>
-                  </a:lnTo>
-                  <a:lnTo>
-                    <a:pt x="620073" y="3171434"/>
-                  </a:lnTo>
-                  <a:lnTo>
-                    <a:pt x="667306" y="3211209"/>
-                  </a:lnTo>
-                  <a:lnTo>
-                    <a:pt x="715871" y="3249349"/>
-                  </a:lnTo>
-                  <a:lnTo>
-                    <a:pt x="765709" y="3285808"/>
-                  </a:lnTo>
-                  <a:lnTo>
-                    <a:pt x="816763" y="3320545"/>
-                  </a:lnTo>
-                  <a:lnTo>
-                    <a:pt x="868973" y="3353518"/>
-                  </a:lnTo>
-                  <a:lnTo>
-                    <a:pt x="922279" y="3384689"/>
-                  </a:lnTo>
-                  <a:lnTo>
-                    <a:pt x="976617" y="3414022"/>
-                  </a:lnTo>
-                  <a:lnTo>
-                    <a:pt x="1031926" y="3441482"/>
-                  </a:lnTo>
-                  <a:lnTo>
-                    <a:pt x="1088140" y="3467038"/>
-                  </a:lnTo>
-                  <a:lnTo>
-                    <a:pt x="1145194" y="3490660"/>
-                  </a:lnTo>
-                  <a:lnTo>
-                    <a:pt x="1203021" y="3512321"/>
-                  </a:lnTo>
-                  <a:lnTo>
-                    <a:pt x="1261553" y="3531994"/>
-                  </a:lnTo>
-                  <a:lnTo>
-                    <a:pt x="1320724" y="3549657"/>
-                  </a:lnTo>
-                  <a:lnTo>
-                    <a:pt x="1380463" y="3565290"/>
-                  </a:lnTo>
-                  <a:lnTo>
-                    <a:pt x="1440701" y="3578873"/>
-                  </a:lnTo>
-                  <a:lnTo>
-                    <a:pt x="1501367" y="3590393"/>
-                  </a:lnTo>
-                  <a:lnTo>
-                    <a:pt x="1562392" y="3599834"/>
-                  </a:lnTo>
-                  <a:lnTo>
-                    <a:pt x="1623703" y="3607186"/>
-                  </a:lnTo>
-                  <a:lnTo>
-                    <a:pt x="1685229" y="3612440"/>
-                  </a:lnTo>
-                  <a:lnTo>
-                    <a:pt x="1746899" y="3615591"/>
-                  </a:lnTo>
-                  <a:lnTo>
-                    <a:pt x="1808641" y="3616634"/>
-                  </a:lnTo>
-                  <a:lnTo>
-                    <a:pt x="1870382" y="3615569"/>
-                  </a:lnTo>
-                  <a:lnTo>
-                    <a:pt x="1932051" y="3612396"/>
-                  </a:lnTo>
-                  <a:lnTo>
-                    <a:pt x="1993576" y="3607120"/>
-                  </a:lnTo>
-                  <a:lnTo>
-                    <a:pt x="2054885" y="3599746"/>
-                  </a:lnTo>
-                  <a:lnTo>
-                    <a:pt x="2115906" y="3590282"/>
-                  </a:lnTo>
-                  <a:lnTo>
-                    <a:pt x="2176568" y="3578741"/>
-                  </a:lnTo>
-                  <a:lnTo>
-                    <a:pt x="2236801" y="3565136"/>
-                  </a:lnTo>
-                  <a:lnTo>
-                    <a:pt x="2296534" y="3549482"/>
-                  </a:lnTo>
-                  <a:lnTo>
-                    <a:pt x="2279699" y="3489442"/>
-                  </a:lnTo>
-                  <a:lnTo>
-                    <a:pt x="2262864" y="3429402"/>
-                  </a:lnTo>
-                  <a:lnTo>
-                    <a:pt x="2246029" y="3369361"/>
-                  </a:lnTo>
-                  <a:lnTo>
-                    <a:pt x="2229194" y="3309321"/>
-                  </a:lnTo>
-                  <a:lnTo>
-                    <a:pt x="2212359" y="3249281"/>
-                  </a:lnTo>
-                  <a:lnTo>
-                    <a:pt x="2195524" y="3189241"/>
-                  </a:lnTo>
-                  <a:lnTo>
-                    <a:pt x="2178689" y="3129201"/>
-                  </a:lnTo>
-                  <a:lnTo>
-                    <a:pt x="2161854" y="3069161"/>
-                  </a:lnTo>
-                  <a:lnTo>
-                    <a:pt x="2145019" y="3009120"/>
-                  </a:lnTo>
-                  <a:lnTo>
-                    <a:pt x="2128184" y="2949080"/>
-                  </a:lnTo>
-                  <a:lnTo>
-                    <a:pt x="2111348" y="2889040"/>
-                  </a:lnTo>
-                  <a:lnTo>
-                    <a:pt x="2094513" y="2829000"/>
-                  </a:lnTo>
-                  <a:lnTo>
-                    <a:pt x="2077678" y="2768960"/>
-                  </a:lnTo>
-                  <a:lnTo>
-                    <a:pt x="2060843" y="2708920"/>
-                  </a:lnTo>
-                  <a:lnTo>
-                    <a:pt x="2044008" y="2648879"/>
-                  </a:lnTo>
-                  <a:lnTo>
-                    <a:pt x="2027173" y="2588839"/>
-                  </a:lnTo>
-                  <a:lnTo>
-                    <a:pt x="2010338" y="2528799"/>
-                  </a:lnTo>
-                  <a:lnTo>
-                    <a:pt x="1993503" y="2468759"/>
-                  </a:lnTo>
-                  <a:lnTo>
-                    <a:pt x="1976668" y="2408719"/>
-                  </a:lnTo>
-                  <a:lnTo>
-                    <a:pt x="1959833" y="2348679"/>
-                  </a:lnTo>
-                  <a:lnTo>
-                    <a:pt x="1942998" y="2288638"/>
-                  </a:lnTo>
-                  <a:lnTo>
-                    <a:pt x="1926163" y="2228598"/>
-                  </a:lnTo>
-                  <a:lnTo>
-                    <a:pt x="1909327" y="2168558"/>
-                  </a:lnTo>
-                  <a:lnTo>
-                    <a:pt x="1892492" y="2108518"/>
-                  </a:lnTo>
-                  <a:lnTo>
-                    <a:pt x="1875657" y="2048478"/>
-                  </a:lnTo>
-                  <a:lnTo>
-                    <a:pt x="1858822" y="1988437"/>
-                  </a:lnTo>
-                  <a:lnTo>
-                    <a:pt x="1841987" y="1928397"/>
-                  </a:lnTo>
-                  <a:lnTo>
-                    <a:pt x="1825152" y="1868357"/>
+                    <a:pt x="1808310" y="1745961"/>
+                  </a:lnTo>
+                  <a:lnTo>
+                    <a:pt x="1808310" y="1683605"/>
+                  </a:lnTo>
+                  <a:lnTo>
+                    <a:pt x="1808310" y="1621250"/>
+                  </a:lnTo>
+                  <a:lnTo>
+                    <a:pt x="1808310" y="1558894"/>
+                  </a:lnTo>
+                  <a:lnTo>
+                    <a:pt x="1808310" y="1496538"/>
+                  </a:lnTo>
+                  <a:lnTo>
+                    <a:pt x="1808310" y="1434182"/>
+                  </a:lnTo>
+                  <a:lnTo>
+                    <a:pt x="1808310" y="1371827"/>
+                  </a:lnTo>
+                  <a:lnTo>
+                    <a:pt x="1808310" y="1309471"/>
+                  </a:lnTo>
+                  <a:lnTo>
+                    <a:pt x="1808310" y="1247115"/>
+                  </a:lnTo>
+                  <a:lnTo>
+                    <a:pt x="1808310" y="1184759"/>
+                  </a:lnTo>
+                  <a:lnTo>
+                    <a:pt x="1808310" y="1122403"/>
+                  </a:lnTo>
+                  <a:lnTo>
+                    <a:pt x="1808310" y="1060048"/>
+                  </a:lnTo>
+                  <a:lnTo>
+                    <a:pt x="1808310" y="997692"/>
+                  </a:lnTo>
+                  <a:lnTo>
+                    <a:pt x="1808310" y="935336"/>
+                  </a:lnTo>
+                  <a:lnTo>
+                    <a:pt x="1808310" y="872980"/>
+                  </a:lnTo>
+                  <a:lnTo>
+                    <a:pt x="1808310" y="810625"/>
+                  </a:lnTo>
+                  <a:lnTo>
+                    <a:pt x="1808310" y="748269"/>
+                  </a:lnTo>
+                  <a:lnTo>
+                    <a:pt x="1808310" y="685913"/>
+                  </a:lnTo>
+                  <a:lnTo>
+                    <a:pt x="1808310" y="623557"/>
+                  </a:lnTo>
+                  <a:lnTo>
+                    <a:pt x="1808310" y="561201"/>
+                  </a:lnTo>
+                  <a:lnTo>
+                    <a:pt x="1808310" y="498846"/>
+                  </a:lnTo>
+                  <a:lnTo>
+                    <a:pt x="1808310" y="436490"/>
+                  </a:lnTo>
+                  <a:lnTo>
+                    <a:pt x="1808310" y="374134"/>
+                  </a:lnTo>
+                  <a:lnTo>
+                    <a:pt x="1808310" y="311778"/>
+                  </a:lnTo>
+                  <a:lnTo>
+                    <a:pt x="1808310" y="249423"/>
+                  </a:lnTo>
+                  <a:lnTo>
+                    <a:pt x="1808310" y="187067"/>
+                  </a:lnTo>
+                  <a:lnTo>
+                    <a:pt x="1808310" y="124711"/>
+                  </a:lnTo>
+                  <a:lnTo>
+                    <a:pt x="1808310" y="62355"/>
+                  </a:lnTo>
+                  <a:lnTo>
+                    <a:pt x="1808310" y="0"/>
+                  </a:lnTo>
+                  <a:lnTo>
+                    <a:pt x="1746683" y="1050"/>
+                  </a:lnTo>
+                  <a:lnTo>
+                    <a:pt x="1685128" y="4200"/>
+                  </a:lnTo>
+                  <a:lnTo>
+                    <a:pt x="1623716" y="9446"/>
+                  </a:lnTo>
+                  <a:lnTo>
+                    <a:pt x="1562519" y="16782"/>
+                  </a:lnTo>
+                  <a:lnTo>
+                    <a:pt x="1501607" y="26199"/>
+                  </a:lnTo>
+                  <a:lnTo>
+                    <a:pt x="1441051" y="37686"/>
+                  </a:lnTo>
+                  <a:lnTo>
+                    <a:pt x="1380922" y="51231"/>
+                  </a:lnTo>
+                  <a:lnTo>
+                    <a:pt x="1321290" y="66816"/>
+                  </a:lnTo>
+                  <a:lnTo>
+                    <a:pt x="1262223" y="84425"/>
+                  </a:lnTo>
+                  <a:lnTo>
+                    <a:pt x="1203791" y="104037"/>
+                  </a:lnTo>
+                  <a:lnTo>
+                    <a:pt x="1146061" y="125629"/>
+                  </a:lnTo>
+                  <a:lnTo>
+                    <a:pt x="1089101" y="149175"/>
+                  </a:lnTo>
+                  <a:lnTo>
+                    <a:pt x="1032976" y="174649"/>
+                  </a:lnTo>
+                  <a:lnTo>
+                    <a:pt x="977752" y="202021"/>
+                  </a:lnTo>
+                  <a:lnTo>
+                    <a:pt x="923492" y="231259"/>
+                  </a:lnTo>
+                  <a:lnTo>
+                    <a:pt x="870261" y="262330"/>
+                  </a:lnTo>
+                  <a:lnTo>
+                    <a:pt x="818119" y="295196"/>
+                  </a:lnTo>
+                  <a:lnTo>
+                    <a:pt x="767128" y="329820"/>
+                  </a:lnTo>
+                  <a:lnTo>
+                    <a:pt x="717346" y="366162"/>
+                  </a:lnTo>
+                  <a:lnTo>
+                    <a:pt x="668832" y="404179"/>
+                  </a:lnTo>
+                  <a:lnTo>
+                    <a:pt x="621642" y="443828"/>
+                  </a:lnTo>
+                  <a:lnTo>
+                    <a:pt x="575830" y="485061"/>
+                  </a:lnTo>
+                  <a:lnTo>
+                    <a:pt x="531450" y="527832"/>
+                  </a:lnTo>
+                  <a:lnTo>
+                    <a:pt x="488553" y="572091"/>
+                  </a:lnTo>
+                  <a:lnTo>
+                    <a:pt x="447190" y="617785"/>
+                  </a:lnTo>
+                  <a:lnTo>
+                    <a:pt x="407408" y="664863"/>
+                  </a:lnTo>
+                  <a:lnTo>
+                    <a:pt x="369253" y="713270"/>
+                  </a:lnTo>
+                  <a:lnTo>
+                    <a:pt x="332771" y="762948"/>
+                  </a:lnTo>
+                  <a:lnTo>
+                    <a:pt x="298002" y="813841"/>
+                  </a:lnTo>
+                  <a:lnTo>
+                    <a:pt x="264988" y="865889"/>
+                  </a:lnTo>
+                  <a:lnTo>
+                    <a:pt x="233767" y="919032"/>
+                  </a:lnTo>
+                  <a:lnTo>
+                    <a:pt x="204375" y="973208"/>
+                  </a:lnTo>
+                  <a:lnTo>
+                    <a:pt x="176847" y="1028355"/>
+                  </a:lnTo>
+                  <a:lnTo>
+                    <a:pt x="151214" y="1084407"/>
+                  </a:lnTo>
+                  <a:lnTo>
+                    <a:pt x="127506" y="1141301"/>
+                  </a:lnTo>
+                  <a:lnTo>
+                    <a:pt x="105751" y="1198969"/>
+                  </a:lnTo>
+                  <a:lnTo>
+                    <a:pt x="85973" y="1257346"/>
+                  </a:lnTo>
+                  <a:lnTo>
+                    <a:pt x="68197" y="1316362"/>
+                  </a:lnTo>
+                  <a:lnTo>
+                    <a:pt x="52442" y="1375950"/>
+                  </a:lnTo>
+                  <a:lnTo>
+                    <a:pt x="38727" y="1436040"/>
+                  </a:lnTo>
+                  <a:lnTo>
+                    <a:pt x="27068" y="1496563"/>
+                  </a:lnTo>
+                  <a:lnTo>
+                    <a:pt x="17478" y="1557448"/>
+                  </a:lnTo>
+                  <a:lnTo>
+                    <a:pt x="9969" y="1618624"/>
+                  </a:lnTo>
+                  <a:lnTo>
+                    <a:pt x="4549" y="1680021"/>
+                  </a:lnTo>
+                  <a:lnTo>
+                    <a:pt x="1225" y="1741567"/>
+                  </a:lnTo>
+                  <a:lnTo>
+                    <a:pt x="0" y="1803190"/>
+                  </a:lnTo>
+                  <a:lnTo>
+                    <a:pt x="875" y="1864820"/>
+                  </a:lnTo>
+                  <a:lnTo>
+                    <a:pt x="3851" y="1926383"/>
+                  </a:lnTo>
+                  <a:lnTo>
+                    <a:pt x="8922" y="1987810"/>
+                  </a:lnTo>
+                  <a:lnTo>
+                    <a:pt x="16085" y="2049028"/>
+                  </a:lnTo>
+                  <a:lnTo>
+                    <a:pt x="25329" y="2109966"/>
+                  </a:lnTo>
+                  <a:lnTo>
+                    <a:pt x="36645" y="2170554"/>
+                  </a:lnTo>
+                  <a:lnTo>
+                    <a:pt x="50019" y="2230721"/>
+                  </a:lnTo>
+                  <a:lnTo>
+                    <a:pt x="65436" y="2290397"/>
+                  </a:lnTo>
+                  <a:lnTo>
+                    <a:pt x="82877" y="2349514"/>
+                  </a:lnTo>
+                  <a:lnTo>
+                    <a:pt x="102323" y="2408001"/>
+                  </a:lnTo>
+                  <a:lnTo>
+                    <a:pt x="123751" y="2465792"/>
+                  </a:lnTo>
+                  <a:lnTo>
+                    <a:pt x="147136" y="2522819"/>
+                  </a:lnTo>
+                  <a:lnTo>
+                    <a:pt x="172451" y="2579016"/>
+                  </a:lnTo>
+                  <a:lnTo>
+                    <a:pt x="199666" y="2634318"/>
+                  </a:lnTo>
+                  <a:lnTo>
+                    <a:pt x="228750" y="2688660"/>
+                  </a:lnTo>
+                  <a:lnTo>
+                    <a:pt x="259669" y="2741979"/>
+                  </a:lnTo>
+                  <a:lnTo>
+                    <a:pt x="292388" y="2794214"/>
+                  </a:lnTo>
+                  <a:lnTo>
+                    <a:pt x="326867" y="2845303"/>
+                  </a:lnTo>
+                  <a:lnTo>
+                    <a:pt x="363068" y="2895187"/>
+                  </a:lnTo>
+                  <a:lnTo>
+                    <a:pt x="400947" y="2943809"/>
+                  </a:lnTo>
+                  <a:lnTo>
+                    <a:pt x="440462" y="2991112"/>
+                  </a:lnTo>
+                  <a:lnTo>
+                    <a:pt x="481565" y="3037040"/>
+                  </a:lnTo>
+                  <a:lnTo>
+                    <a:pt x="524210" y="3081541"/>
+                  </a:lnTo>
+                  <a:lnTo>
+                    <a:pt x="568347" y="3124563"/>
+                  </a:lnTo>
+                  <a:lnTo>
+                    <a:pt x="613924" y="3166056"/>
+                  </a:lnTo>
+                  <a:lnTo>
+                    <a:pt x="660889" y="3205971"/>
+                  </a:lnTo>
+                  <a:lnTo>
+                    <a:pt x="709187" y="3244263"/>
+                  </a:lnTo>
+                  <a:lnTo>
+                    <a:pt x="758762" y="3280887"/>
+                  </a:lnTo>
+                  <a:lnTo>
+                    <a:pt x="809556" y="3315799"/>
+                  </a:lnTo>
+                  <a:lnTo>
+                    <a:pt x="861510" y="3348961"/>
+                  </a:lnTo>
+                  <a:lnTo>
+                    <a:pt x="914565" y="3380332"/>
+                  </a:lnTo>
+                  <a:lnTo>
+                    <a:pt x="968657" y="3409877"/>
+                  </a:lnTo>
+                  <a:lnTo>
+                    <a:pt x="1023725" y="3437562"/>
+                  </a:lnTo>
+                  <a:lnTo>
+                    <a:pt x="1079705" y="3463354"/>
+                  </a:lnTo>
+                  <a:lnTo>
+                    <a:pt x="1136531" y="3487223"/>
+                  </a:lnTo>
+                  <a:lnTo>
+                    <a:pt x="1194138" y="3509142"/>
+                  </a:lnTo>
+                  <a:lnTo>
+                    <a:pt x="1252458" y="3529084"/>
+                  </a:lnTo>
+                  <a:lnTo>
+                    <a:pt x="1311424" y="3547028"/>
+                  </a:lnTo>
+                  <a:lnTo>
+                    <a:pt x="1370967" y="3562952"/>
+                  </a:lnTo>
+                  <a:lnTo>
+                    <a:pt x="1431018" y="3576837"/>
+                  </a:lnTo>
+                  <a:lnTo>
+                    <a:pt x="1491507" y="3588668"/>
+                  </a:lnTo>
+                  <a:lnTo>
+                    <a:pt x="1552365" y="3598430"/>
+                  </a:lnTo>
+                  <a:lnTo>
+                    <a:pt x="1613520" y="3606112"/>
+                  </a:lnTo>
+                  <a:lnTo>
+                    <a:pt x="1674901" y="3611707"/>
+                  </a:lnTo>
+                  <a:lnTo>
+                    <a:pt x="1736437" y="3615205"/>
+                  </a:lnTo>
+                  <a:lnTo>
+                    <a:pt x="1798057" y="3616605"/>
+                  </a:lnTo>
+                  <a:lnTo>
+                    <a:pt x="1859688" y="3615904"/>
+                  </a:lnTo>
+                  <a:lnTo>
+                    <a:pt x="1921260" y="3613103"/>
+                  </a:lnTo>
+                  <a:lnTo>
+                    <a:pt x="1982701" y="3608206"/>
+                  </a:lnTo>
+                  <a:lnTo>
+                    <a:pt x="2043939" y="3601217"/>
+                  </a:lnTo>
+                  <a:lnTo>
+                    <a:pt x="2104903" y="3592146"/>
+                  </a:lnTo>
+                  <a:lnTo>
+                    <a:pt x="2165523" y="3581002"/>
+                  </a:lnTo>
+                  <a:lnTo>
+                    <a:pt x="2225727" y="3567798"/>
+                  </a:lnTo>
+                  <a:lnTo>
+                    <a:pt x="2285447" y="3552551"/>
+                  </a:lnTo>
+                  <a:lnTo>
+                    <a:pt x="2268994" y="3492405"/>
+                  </a:lnTo>
+                  <a:lnTo>
+                    <a:pt x="2252541" y="3432259"/>
+                  </a:lnTo>
+                  <a:lnTo>
+                    <a:pt x="2236088" y="3372113"/>
+                  </a:lnTo>
+                  <a:lnTo>
+                    <a:pt x="2219635" y="3311967"/>
+                  </a:lnTo>
+                  <a:lnTo>
+                    <a:pt x="2203182" y="3251821"/>
+                  </a:lnTo>
+                  <a:lnTo>
+                    <a:pt x="2186729" y="3191675"/>
+                  </a:lnTo>
+                  <a:lnTo>
+                    <a:pt x="2170276" y="3131529"/>
+                  </a:lnTo>
+                  <a:lnTo>
+                    <a:pt x="2153823" y="3071383"/>
+                  </a:lnTo>
+                  <a:lnTo>
+                    <a:pt x="2137370" y="3011237"/>
+                  </a:lnTo>
+                  <a:lnTo>
+                    <a:pt x="2120917" y="2951091"/>
+                  </a:lnTo>
+                  <a:lnTo>
+                    <a:pt x="2104464" y="2890945"/>
+                  </a:lnTo>
+                  <a:lnTo>
+                    <a:pt x="2088011" y="2830799"/>
+                  </a:lnTo>
+                  <a:lnTo>
+                    <a:pt x="2071558" y="2770653"/>
+                  </a:lnTo>
+                  <a:lnTo>
+                    <a:pt x="2055105" y="2710507"/>
+                  </a:lnTo>
+                  <a:lnTo>
+                    <a:pt x="2038652" y="2650361"/>
+                  </a:lnTo>
+                  <a:lnTo>
+                    <a:pt x="2022199" y="2590215"/>
+                  </a:lnTo>
+                  <a:lnTo>
+                    <a:pt x="2005746" y="2530069"/>
+                  </a:lnTo>
+                  <a:lnTo>
+                    <a:pt x="1989293" y="2469923"/>
+                  </a:lnTo>
+                  <a:lnTo>
+                    <a:pt x="1972840" y="2409777"/>
+                  </a:lnTo>
+                  <a:lnTo>
+                    <a:pt x="1956387" y="2349631"/>
+                  </a:lnTo>
+                  <a:lnTo>
+                    <a:pt x="1939934" y="2289485"/>
+                  </a:lnTo>
+                  <a:lnTo>
+                    <a:pt x="1923481" y="2229339"/>
+                  </a:lnTo>
+                  <a:lnTo>
+                    <a:pt x="1907028" y="2169193"/>
+                  </a:lnTo>
+                  <a:lnTo>
+                    <a:pt x="1890575" y="2109047"/>
+                  </a:lnTo>
+                  <a:lnTo>
+                    <a:pt x="1874122" y="2048901"/>
+                  </a:lnTo>
+                  <a:lnTo>
+                    <a:pt x="1857669" y="1988755"/>
+                  </a:lnTo>
+                  <a:lnTo>
+                    <a:pt x="1841216" y="1928609"/>
+                  </a:lnTo>
+                  <a:lnTo>
+                    <a:pt x="1824763" y="1868463"/>
                   </a:lnTo>
                   <a:close/>
                 </a:path>
@@ -4562,7 +4565,7 @@
           </p:nvSpPr>
           <p:spPr>
             <a:xfrm>
-              <a:off x="5015282" y="2848489"/>
+              <a:off x="5022259" y="2850442"/>
               <a:ext cx="329449" cy="109040"/>
             </a:xfrm>
             <a:prstGeom prst="rect">
@@ -4595,7 +4598,7 @@
                   <a:latin typeface="Arial"/>
                   <a:cs typeface="Arial"/>
                 </a:rPr>
-                <a:t>8.6%</a:t>
+                <a:t>8.8%</a:t>
               </a:r>
             </a:p>
           </p:txBody>
@@ -4608,7 +4611,7 @@
           </p:nvSpPr>
           <p:spPr>
             <a:xfrm>
-              <a:off x="5530423" y="3290482"/>
+              <a:off x="5547740" y="3324217"/>
               <a:ext cx="409835" cy="109040"/>
             </a:xfrm>
             <a:prstGeom prst="rect">
@@ -4641,7 +4644,7 @@
                   <a:latin typeface="Arial"/>
                   <a:cs typeface="Arial"/>
                 </a:rPr>
-                <a:t>17.1%</a:t>
+                <a:t>17.9%</a:t>
               </a:r>
             </a:p>
           </p:txBody>
@@ -4654,7 +4657,7 @@
           </p:nvSpPr>
           <p:spPr>
             <a:xfrm>
-              <a:off x="5503857" y="4281625"/>
+              <a:off x="5482538" y="4307531"/>
               <a:ext cx="289291" cy="109040"/>
             </a:xfrm>
             <a:prstGeom prst="rect">
@@ -4687,7 +4690,7 @@
                   <a:latin typeface="Arial"/>
                   <a:cs typeface="Arial"/>
                 </a:rPr>
-                <a:t>20%</a:t>
+                <a:t>19%</a:t>
               </a:r>
             </a:p>
           </p:txBody>
@@ -4700,7 +4703,7 @@
           </p:nvSpPr>
           <p:spPr>
             <a:xfrm>
-              <a:off x="3839159" y="3843361"/>
+              <a:off x="3838771" y="3840513"/>
               <a:ext cx="409835" cy="109040"/>
             </a:xfrm>
             <a:prstGeom prst="rect">
@@ -4733,7 +4736,7 @@
                   <a:latin typeface="Arial"/>
                   <a:cs typeface="Arial"/>
                 </a:rPr>
-                <a:t>54.4%</a:t>
+                <a:t>54.2%</a:t>
               </a:r>
             </a:p>
           </p:txBody>
@@ -4746,7 +4749,7 @@
           </p:nvSpPr>
           <p:spPr>
             <a:xfrm>
-              <a:off x="5013039" y="2845133"/>
+              <a:off x="5020016" y="2847086"/>
               <a:ext cx="329449" cy="109040"/>
             </a:xfrm>
             <a:prstGeom prst="rect">
@@ -4779,7 +4782,7 @@
                   <a:latin typeface="Arial"/>
                   <a:cs typeface="Arial"/>
                 </a:rPr>
-                <a:t>8.6%</a:t>
+                <a:t>8.8%</a:t>
               </a:r>
             </a:p>
           </p:txBody>
@@ -4792,7 +4795,7 @@
           </p:nvSpPr>
           <p:spPr>
             <a:xfrm>
-              <a:off x="5528180" y="3287125"/>
+              <a:off x="5545497" y="3320860"/>
               <a:ext cx="409835" cy="109040"/>
             </a:xfrm>
             <a:prstGeom prst="rect">
@@ -4825,7 +4828,7 @@
                   <a:latin typeface="Arial"/>
                   <a:cs typeface="Arial"/>
                 </a:rPr>
-                <a:t>17.1%</a:t>
+                <a:t>17.9%</a:t>
               </a:r>
             </a:p>
           </p:txBody>
@@ -4838,7 +4841,7 @@
           </p:nvSpPr>
           <p:spPr>
             <a:xfrm>
-              <a:off x="5501614" y="4278269"/>
+              <a:off x="5480296" y="4304175"/>
               <a:ext cx="289291" cy="109040"/>
             </a:xfrm>
             <a:prstGeom prst="rect">
@@ -4871,7 +4874,7 @@
                   <a:latin typeface="Arial"/>
                   <a:cs typeface="Arial"/>
                 </a:rPr>
-                <a:t>20%</a:t>
+                <a:t>19%</a:t>
               </a:r>
             </a:p>
           </p:txBody>
@@ -4884,7 +4887,7 @@
           </p:nvSpPr>
           <p:spPr>
             <a:xfrm>
-              <a:off x="3836916" y="3840004"/>
+              <a:off x="3836529" y="3837156"/>
               <a:ext cx="409835" cy="109040"/>
             </a:xfrm>
             <a:prstGeom prst="rect">
@@ -4917,7 +4920,7 @@
                   <a:latin typeface="Arial"/>
                   <a:cs typeface="Arial"/>
                 </a:rPr>
-                <a:t>54.4%</a:t>
+                <a:t>54.2%</a:t>
               </a:r>
             </a:p>
           </p:txBody>
@@ -4930,7 +4933,7 @@
           </p:nvSpPr>
           <p:spPr>
             <a:xfrm>
-              <a:off x="5009682" y="2842890"/>
+              <a:off x="5016659" y="2844843"/>
               <a:ext cx="329449" cy="109040"/>
             </a:xfrm>
             <a:prstGeom prst="rect">
@@ -4963,7 +4966,7 @@
                   <a:latin typeface="Arial"/>
                   <a:cs typeface="Arial"/>
                 </a:rPr>
-                <a:t>8.6%</a:t>
+                <a:t>8.8%</a:t>
               </a:r>
             </a:p>
           </p:txBody>
@@ -4976,7 +4979,7 @@
           </p:nvSpPr>
           <p:spPr>
             <a:xfrm>
-              <a:off x="5524823" y="3284882"/>
+              <a:off x="5542140" y="3318617"/>
               <a:ext cx="409835" cy="109040"/>
             </a:xfrm>
             <a:prstGeom prst="rect">
@@ -5009,7 +5012,7 @@
                   <a:latin typeface="Arial"/>
                   <a:cs typeface="Arial"/>
                 </a:rPr>
-                <a:t>17.1%</a:t>
+                <a:t>17.9%</a:t>
               </a:r>
             </a:p>
           </p:txBody>
@@ -5022,7 +5025,7 @@
           </p:nvSpPr>
           <p:spPr>
             <a:xfrm>
-              <a:off x="5498257" y="4276026"/>
+              <a:off x="5476939" y="4301932"/>
               <a:ext cx="289291" cy="109040"/>
             </a:xfrm>
             <a:prstGeom prst="rect">
@@ -5055,7 +5058,7 @@
                   <a:latin typeface="Arial"/>
                   <a:cs typeface="Arial"/>
                 </a:rPr>
-                <a:t>20%</a:t>
+                <a:t>19%</a:t>
               </a:r>
             </a:p>
           </p:txBody>
@@ -5068,7 +5071,7 @@
           </p:nvSpPr>
           <p:spPr>
             <a:xfrm>
-              <a:off x="3833559" y="3837761"/>
+              <a:off x="3833172" y="3834913"/>
               <a:ext cx="409835" cy="109040"/>
             </a:xfrm>
             <a:prstGeom prst="rect">
@@ -5101,7 +5104,7 @@
                   <a:latin typeface="Arial"/>
                   <a:cs typeface="Arial"/>
                 </a:rPr>
-                <a:t>54.4%</a:t>
+                <a:t>54.2%</a:t>
               </a:r>
             </a:p>
           </p:txBody>
@@ -5114,7 +5117,7 @@
           </p:nvSpPr>
           <p:spPr>
             <a:xfrm>
-              <a:off x="5005723" y="2842102"/>
+              <a:off x="5012700" y="2844055"/>
               <a:ext cx="329449" cy="109040"/>
             </a:xfrm>
             <a:prstGeom prst="rect">
@@ -5147,7 +5150,7 @@
                   <a:latin typeface="Arial"/>
                   <a:cs typeface="Arial"/>
                 </a:rPr>
-                <a:t>8.6%</a:t>
+                <a:t>8.8%</a:t>
               </a:r>
             </a:p>
           </p:txBody>
@@ -5160,7 +5163,7 @@
           </p:nvSpPr>
           <p:spPr>
             <a:xfrm>
-              <a:off x="5520864" y="3284095"/>
+              <a:off x="5538181" y="3317830"/>
               <a:ext cx="409835" cy="109040"/>
             </a:xfrm>
             <a:prstGeom prst="rect">
@@ -5193,7 +5196,7 @@
                   <a:latin typeface="Arial"/>
                   <a:cs typeface="Arial"/>
                 </a:rPr>
-                <a:t>17.1%</a:t>
+                <a:t>17.9%</a:t>
               </a:r>
             </a:p>
           </p:txBody>
@@ -5206,7 +5209,7 @@
           </p:nvSpPr>
           <p:spPr>
             <a:xfrm>
-              <a:off x="5494298" y="4275238"/>
+              <a:off x="5472980" y="4301144"/>
               <a:ext cx="289291" cy="109040"/>
             </a:xfrm>
             <a:prstGeom prst="rect">
@@ -5239,7 +5242,7 @@
                   <a:latin typeface="Arial"/>
                   <a:cs typeface="Arial"/>
                 </a:rPr>
-                <a:t>20%</a:t>
+                <a:t>19%</a:t>
               </a:r>
             </a:p>
           </p:txBody>
@@ -5252,7 +5255,7 @@
           </p:nvSpPr>
           <p:spPr>
             <a:xfrm>
-              <a:off x="3829600" y="3836974"/>
+              <a:off x="3829213" y="3834126"/>
               <a:ext cx="409835" cy="109040"/>
             </a:xfrm>
             <a:prstGeom prst="rect">
@@ -5285,7 +5288,7 @@
                   <a:latin typeface="Arial"/>
                   <a:cs typeface="Arial"/>
                 </a:rPr>
-                <a:t>54.4%</a:t>
+                <a:t>54.2%</a:t>
               </a:r>
             </a:p>
           </p:txBody>
@@ -5298,7 +5301,7 @@
           </p:nvSpPr>
           <p:spPr>
             <a:xfrm>
-              <a:off x="5001763" y="2842890"/>
+              <a:off x="5008741" y="2844843"/>
               <a:ext cx="329449" cy="109040"/>
             </a:xfrm>
             <a:prstGeom prst="rect">
@@ -5331,7 +5334,7 @@
                   <a:latin typeface="Arial"/>
                   <a:cs typeface="Arial"/>
                 </a:rPr>
-                <a:t>8.6%</a:t>
+                <a:t>8.8%</a:t>
               </a:r>
             </a:p>
           </p:txBody>
@@ -5344,7 +5347,7 @@
           </p:nvSpPr>
           <p:spPr>
             <a:xfrm>
-              <a:off x="5516904" y="3284882"/>
+              <a:off x="5534221" y="3318617"/>
               <a:ext cx="409835" cy="109040"/>
             </a:xfrm>
             <a:prstGeom prst="rect">
@@ -5377,7 +5380,7 @@
                   <a:latin typeface="Arial"/>
                   <a:cs typeface="Arial"/>
                 </a:rPr>
-                <a:t>17.1%</a:t>
+                <a:t>17.9%</a:t>
               </a:r>
             </a:p>
           </p:txBody>
@@ -5390,7 +5393,7 @@
           </p:nvSpPr>
           <p:spPr>
             <a:xfrm>
-              <a:off x="5490338" y="4276026"/>
+              <a:off x="5469020" y="4301932"/>
               <a:ext cx="289291" cy="109040"/>
             </a:xfrm>
             <a:prstGeom prst="rect">
@@ -5423,7 +5426,7 @@
                   <a:latin typeface="Arial"/>
                   <a:cs typeface="Arial"/>
                 </a:rPr>
-                <a:t>20%</a:t>
+                <a:t>19%</a:t>
               </a:r>
             </a:p>
           </p:txBody>
@@ -5436,7 +5439,7 @@
           </p:nvSpPr>
           <p:spPr>
             <a:xfrm>
-              <a:off x="3825640" y="3837761"/>
+              <a:off x="3825253" y="3834913"/>
               <a:ext cx="409835" cy="109040"/>
             </a:xfrm>
             <a:prstGeom prst="rect">
@@ -5469,7 +5472,7 @@
                   <a:latin typeface="Arial"/>
                   <a:cs typeface="Arial"/>
                 </a:rPr>
-                <a:t>54.4%</a:t>
+                <a:t>54.2%</a:t>
               </a:r>
             </a:p>
           </p:txBody>
@@ -5482,7 +5485,7 @@
           </p:nvSpPr>
           <p:spPr>
             <a:xfrm>
-              <a:off x="4998407" y="2845133"/>
+              <a:off x="5005384" y="2847086"/>
               <a:ext cx="329449" cy="109040"/>
             </a:xfrm>
             <a:prstGeom prst="rect">
@@ -5515,7 +5518,7 @@
                   <a:latin typeface="Arial"/>
                   <a:cs typeface="Arial"/>
                 </a:rPr>
-                <a:t>8.6%</a:t>
+                <a:t>8.8%</a:t>
               </a:r>
             </a:p>
           </p:txBody>
@@ -5528,7 +5531,7 @@
           </p:nvSpPr>
           <p:spPr>
             <a:xfrm>
-              <a:off x="5513548" y="3287125"/>
+              <a:off x="5530865" y="3320860"/>
               <a:ext cx="409835" cy="109040"/>
             </a:xfrm>
             <a:prstGeom prst="rect">
@@ -5561,7 +5564,7 @@
                   <a:latin typeface="Arial"/>
                   <a:cs typeface="Arial"/>
                 </a:rPr>
-                <a:t>17.1%</a:t>
+                <a:t>17.9%</a:t>
               </a:r>
             </a:p>
           </p:txBody>
@@ -5574,7 +5577,7 @@
           </p:nvSpPr>
           <p:spPr>
             <a:xfrm>
-              <a:off x="5486982" y="4278269"/>
+              <a:off x="5465664" y="4304175"/>
               <a:ext cx="289291" cy="109040"/>
             </a:xfrm>
             <a:prstGeom prst="rect">
@@ -5607,7 +5610,7 @@
                   <a:latin typeface="Arial"/>
                   <a:cs typeface="Arial"/>
                 </a:rPr>
-                <a:t>20%</a:t>
+                <a:t>19%</a:t>
               </a:r>
             </a:p>
           </p:txBody>
@@ -5620,7 +5623,7 @@
           </p:nvSpPr>
           <p:spPr>
             <a:xfrm>
-              <a:off x="3822284" y="3840004"/>
+              <a:off x="3821897" y="3837156"/>
               <a:ext cx="409835" cy="109040"/>
             </a:xfrm>
             <a:prstGeom prst="rect">
@@ -5653,7 +5656,7 @@
                   <a:latin typeface="Arial"/>
                   <a:cs typeface="Arial"/>
                 </a:rPr>
-                <a:t>54.4%</a:t>
+                <a:t>54.2%</a:t>
               </a:r>
             </a:p>
           </p:txBody>
@@ -5666,7 +5669,7 @@
           </p:nvSpPr>
           <p:spPr>
             <a:xfrm>
-              <a:off x="4996164" y="2848489"/>
+              <a:off x="5003141" y="2850442"/>
               <a:ext cx="329449" cy="109040"/>
             </a:xfrm>
             <a:prstGeom prst="rect">
@@ -5699,7 +5702,7 @@
                   <a:latin typeface="Arial"/>
                   <a:cs typeface="Arial"/>
                 </a:rPr>
-                <a:t>8.6%</a:t>
+                <a:t>8.8%</a:t>
               </a:r>
             </a:p>
           </p:txBody>
@@ -5712,7 +5715,7 @@
           </p:nvSpPr>
           <p:spPr>
             <a:xfrm>
-              <a:off x="5511305" y="3290482"/>
+              <a:off x="5528622" y="3324217"/>
               <a:ext cx="409835" cy="109040"/>
             </a:xfrm>
             <a:prstGeom prst="rect">
@@ -5745,7 +5748,7 @@
                   <a:latin typeface="Arial"/>
                   <a:cs typeface="Arial"/>
                 </a:rPr>
-                <a:t>17.1%</a:t>
+                <a:t>17.9%</a:t>
               </a:r>
             </a:p>
           </p:txBody>
@@ -5758,7 +5761,7 @@
           </p:nvSpPr>
           <p:spPr>
             <a:xfrm>
-              <a:off x="5484739" y="4281625"/>
+              <a:off x="5463421" y="4307531"/>
               <a:ext cx="289291" cy="109040"/>
             </a:xfrm>
             <a:prstGeom prst="rect">
@@ -5791,7 +5794,7 @@
                   <a:latin typeface="Arial"/>
                   <a:cs typeface="Arial"/>
                 </a:rPr>
-                <a:t>20%</a:t>
+                <a:t>19%</a:t>
               </a:r>
             </a:p>
           </p:txBody>
@@ -5804,7 +5807,7 @@
           </p:nvSpPr>
           <p:spPr>
             <a:xfrm>
-              <a:off x="3820041" y="3843361"/>
+              <a:off x="3819654" y="3840513"/>
               <a:ext cx="409835" cy="109040"/>
             </a:xfrm>
             <a:prstGeom prst="rect">
@@ -5837,7 +5840,7 @@
                   <a:latin typeface="Arial"/>
                   <a:cs typeface="Arial"/>
                 </a:rPr>
-                <a:t>54.4%</a:t>
+                <a:t>54.2%</a:t>
               </a:r>
             </a:p>
           </p:txBody>
@@ -5850,7 +5853,7 @@
           </p:nvSpPr>
           <p:spPr>
             <a:xfrm>
-              <a:off x="4995376" y="2852449"/>
+              <a:off x="5002354" y="2854402"/>
               <a:ext cx="329449" cy="109040"/>
             </a:xfrm>
             <a:prstGeom prst="rect">
@@ -5883,7 +5886,7 @@
                   <a:latin typeface="Arial"/>
                   <a:cs typeface="Arial"/>
                 </a:rPr>
-                <a:t>8.6%</a:t>
+                <a:t>8.8%</a:t>
               </a:r>
             </a:p>
           </p:txBody>
@@ -5896,7 +5899,7 @@
           </p:nvSpPr>
           <p:spPr>
             <a:xfrm>
-              <a:off x="5510517" y="3294441"/>
+              <a:off x="5527834" y="3328176"/>
               <a:ext cx="409835" cy="109040"/>
             </a:xfrm>
             <a:prstGeom prst="rect">
@@ -5929,7 +5932,7 @@
                   <a:latin typeface="Arial"/>
                   <a:cs typeface="Arial"/>
                 </a:rPr>
-                <a:t>17.1%</a:t>
+                <a:t>17.9%</a:t>
               </a:r>
             </a:p>
           </p:txBody>
@@ -5942,7 +5945,7 @@
           </p:nvSpPr>
           <p:spPr>
             <a:xfrm>
-              <a:off x="5483951" y="4285585"/>
+              <a:off x="5462633" y="4311491"/>
               <a:ext cx="289291" cy="109040"/>
             </a:xfrm>
             <a:prstGeom prst="rect">
@@ -5975,7 +5978,7 @@
                   <a:latin typeface="Arial"/>
                   <a:cs typeface="Arial"/>
                 </a:rPr>
-                <a:t>20%</a:t>
+                <a:t>19%</a:t>
               </a:r>
             </a:p>
           </p:txBody>
@@ -5988,7 +5991,7 @@
           </p:nvSpPr>
           <p:spPr>
             <a:xfrm>
-              <a:off x="3819253" y="3847320"/>
+              <a:off x="3818866" y="3844472"/>
               <a:ext cx="409835" cy="109040"/>
             </a:xfrm>
             <a:prstGeom prst="rect">
@@ -6021,7 +6024,7 @@
                   <a:latin typeface="Arial"/>
                   <a:cs typeface="Arial"/>
                 </a:rPr>
-                <a:t>54.4%</a:t>
+                <a:t>54.2%</a:t>
               </a:r>
             </a:p>
           </p:txBody>
@@ -6034,7 +6037,7 @@
           </p:nvSpPr>
           <p:spPr>
             <a:xfrm>
-              <a:off x="4996164" y="2856408"/>
+              <a:off x="5003141" y="2858361"/>
               <a:ext cx="329449" cy="109040"/>
             </a:xfrm>
             <a:prstGeom prst="rect">
@@ -6067,7 +6070,7 @@
                   <a:latin typeface="Arial"/>
                   <a:cs typeface="Arial"/>
                 </a:rPr>
-                <a:t>8.6%</a:t>
+                <a:t>8.8%</a:t>
               </a:r>
             </a:p>
           </p:txBody>
@@ -6080,7 +6083,7 @@
           </p:nvSpPr>
           <p:spPr>
             <a:xfrm>
-              <a:off x="5511305" y="3298401"/>
+              <a:off x="5528622" y="3332136"/>
               <a:ext cx="409835" cy="109040"/>
             </a:xfrm>
             <a:prstGeom prst="rect">
@@ -6113,7 +6116,7 @@
                   <a:latin typeface="Arial"/>
                   <a:cs typeface="Arial"/>
                 </a:rPr>
-                <a:t>17.1%</a:t>
+                <a:t>17.9%</a:t>
               </a:r>
             </a:p>
           </p:txBody>
@@ -6126,7 +6129,7 @@
           </p:nvSpPr>
           <p:spPr>
             <a:xfrm>
-              <a:off x="5484739" y="4289544"/>
+              <a:off x="5463421" y="4315450"/>
               <a:ext cx="289291" cy="109040"/>
             </a:xfrm>
             <a:prstGeom prst="rect">
@@ -6159,7 +6162,7 @@
                   <a:latin typeface="Arial"/>
                   <a:cs typeface="Arial"/>
                 </a:rPr>
-                <a:t>20%</a:t>
+                <a:t>19%</a:t>
               </a:r>
             </a:p>
           </p:txBody>
@@ -6172,7 +6175,7 @@
           </p:nvSpPr>
           <p:spPr>
             <a:xfrm>
-              <a:off x="3820041" y="3851280"/>
+              <a:off x="3819654" y="3848432"/>
               <a:ext cx="409835" cy="109040"/>
             </a:xfrm>
             <a:prstGeom prst="rect">
@@ -6205,7 +6208,7 @@
                   <a:latin typeface="Arial"/>
                   <a:cs typeface="Arial"/>
                 </a:rPr>
-                <a:t>54.4%</a:t>
+                <a:t>54.2%</a:t>
               </a:r>
             </a:p>
           </p:txBody>
@@ -6218,7 +6221,7 @@
           </p:nvSpPr>
           <p:spPr>
             <a:xfrm>
-              <a:off x="4998407" y="2859765"/>
+              <a:off x="5005384" y="2861718"/>
               <a:ext cx="329449" cy="109040"/>
             </a:xfrm>
             <a:prstGeom prst="rect">
@@ -6251,7 +6254,7 @@
                   <a:latin typeface="Arial"/>
                   <a:cs typeface="Arial"/>
                 </a:rPr>
-                <a:t>8.6%</a:t>
+                <a:t>8.8%</a:t>
               </a:r>
             </a:p>
           </p:txBody>
@@ -6264,7 +6267,7 @@
           </p:nvSpPr>
           <p:spPr>
             <a:xfrm>
-              <a:off x="5513548" y="3301757"/>
+              <a:off x="5530865" y="3335492"/>
               <a:ext cx="409835" cy="109040"/>
             </a:xfrm>
             <a:prstGeom prst="rect">
@@ -6297,7 +6300,7 @@
                   <a:latin typeface="Arial"/>
                   <a:cs typeface="Arial"/>
                 </a:rPr>
-                <a:t>17.1%</a:t>
+                <a:t>17.9%</a:t>
               </a:r>
             </a:p>
           </p:txBody>
@@ -6310,7 +6313,7 @@
           </p:nvSpPr>
           <p:spPr>
             <a:xfrm>
-              <a:off x="5486982" y="4292901"/>
+              <a:off x="5465664" y="4318807"/>
               <a:ext cx="289291" cy="109040"/>
             </a:xfrm>
             <a:prstGeom prst="rect">
@@ -6343,7 +6346,7 @@
                   <a:latin typeface="Arial"/>
                   <a:cs typeface="Arial"/>
                 </a:rPr>
-                <a:t>20%</a:t>
+                <a:t>19%</a:t>
               </a:r>
             </a:p>
           </p:txBody>
@@ -6356,7 +6359,7 @@
           </p:nvSpPr>
           <p:spPr>
             <a:xfrm>
-              <a:off x="3822284" y="3854636"/>
+              <a:off x="3821897" y="3851788"/>
               <a:ext cx="409835" cy="109040"/>
             </a:xfrm>
             <a:prstGeom prst="rect">
@@ -6389,7 +6392,7 @@
                   <a:latin typeface="Arial"/>
                   <a:cs typeface="Arial"/>
                 </a:rPr>
-                <a:t>54.4%</a:t>
+                <a:t>54.2%</a:t>
               </a:r>
             </a:p>
           </p:txBody>
@@ -6402,7 +6405,7 @@
           </p:nvSpPr>
           <p:spPr>
             <a:xfrm>
-              <a:off x="5001763" y="2862008"/>
+              <a:off x="5008741" y="2863961"/>
               <a:ext cx="329449" cy="109040"/>
             </a:xfrm>
             <a:prstGeom prst="rect">
@@ -6435,7 +6438,7 @@
                   <a:latin typeface="Arial"/>
                   <a:cs typeface="Arial"/>
                 </a:rPr>
-                <a:t>8.6%</a:t>
+                <a:t>8.8%</a:t>
               </a:r>
             </a:p>
           </p:txBody>
@@ -6448,7 +6451,7 @@
           </p:nvSpPr>
           <p:spPr>
             <a:xfrm>
-              <a:off x="5516904" y="3304000"/>
+              <a:off x="5534221" y="3337735"/>
               <a:ext cx="409835" cy="109040"/>
             </a:xfrm>
             <a:prstGeom prst="rect">
@@ -6481,7 +6484,7 @@
                   <a:latin typeface="Arial"/>
                   <a:cs typeface="Arial"/>
                 </a:rPr>
-                <a:t>17.1%</a:t>
+                <a:t>17.9%</a:t>
               </a:r>
             </a:p>
           </p:txBody>
@@ -6494,7 +6497,7 @@
           </p:nvSpPr>
           <p:spPr>
             <a:xfrm>
-              <a:off x="5490338" y="4295144"/>
+              <a:off x="5469020" y="4321050"/>
               <a:ext cx="289291" cy="109040"/>
             </a:xfrm>
             <a:prstGeom prst="rect">
@@ -6527,7 +6530,7 @@
                   <a:latin typeface="Arial"/>
                   <a:cs typeface="Arial"/>
                 </a:rPr>
-                <a:t>20%</a:t>
+                <a:t>19%</a:t>
               </a:r>
             </a:p>
           </p:txBody>
@@ -6540,7 +6543,7 @@
           </p:nvSpPr>
           <p:spPr>
             <a:xfrm>
-              <a:off x="3825640" y="3856879"/>
+              <a:off x="3825253" y="3854031"/>
               <a:ext cx="409835" cy="109040"/>
             </a:xfrm>
             <a:prstGeom prst="rect">
@@ -6573,7 +6576,7 @@
                   <a:latin typeface="Arial"/>
                   <a:cs typeface="Arial"/>
                 </a:rPr>
-                <a:t>54.4%</a:t>
+                <a:t>54.2%</a:t>
               </a:r>
             </a:p>
           </p:txBody>
@@ -6586,7 +6589,7 @@
           </p:nvSpPr>
           <p:spPr>
             <a:xfrm>
-              <a:off x="5005723" y="2862795"/>
+              <a:off x="5012700" y="2864748"/>
               <a:ext cx="329449" cy="109040"/>
             </a:xfrm>
             <a:prstGeom prst="rect">
@@ -6619,7 +6622,7 @@
                   <a:latin typeface="Arial"/>
                   <a:cs typeface="Arial"/>
                 </a:rPr>
-                <a:t>8.6%</a:t>
+                <a:t>8.8%</a:t>
               </a:r>
             </a:p>
           </p:txBody>
@@ -6632,7 +6635,7 @@
           </p:nvSpPr>
           <p:spPr>
             <a:xfrm>
-              <a:off x="5520864" y="3304788"/>
+              <a:off x="5538181" y="3338523"/>
               <a:ext cx="409835" cy="109040"/>
             </a:xfrm>
             <a:prstGeom prst="rect">
@@ -6665,7 +6668,7 @@
                   <a:latin typeface="Arial"/>
                   <a:cs typeface="Arial"/>
                 </a:rPr>
-                <a:t>17.1%</a:t>
+                <a:t>17.9%</a:t>
               </a:r>
             </a:p>
           </p:txBody>
@@ -6678,7 +6681,7 @@
           </p:nvSpPr>
           <p:spPr>
             <a:xfrm>
-              <a:off x="5494298" y="4295931"/>
+              <a:off x="5472980" y="4321837"/>
               <a:ext cx="289291" cy="109040"/>
             </a:xfrm>
             <a:prstGeom prst="rect">
@@ -6711,7 +6714,7 @@
                   <a:latin typeface="Arial"/>
                   <a:cs typeface="Arial"/>
                 </a:rPr>
-                <a:t>20%</a:t>
+                <a:t>19%</a:t>
               </a:r>
             </a:p>
           </p:txBody>
@@ -6724,7 +6727,7 @@
           </p:nvSpPr>
           <p:spPr>
             <a:xfrm>
-              <a:off x="3829600" y="3857667"/>
+              <a:off x="3829213" y="3854819"/>
               <a:ext cx="409835" cy="109040"/>
             </a:xfrm>
             <a:prstGeom prst="rect">
@@ -6757,7 +6760,7 @@
                   <a:latin typeface="Arial"/>
                   <a:cs typeface="Arial"/>
                 </a:rPr>
-                <a:t>54.4%</a:t>
+                <a:t>54.2%</a:t>
               </a:r>
             </a:p>
           </p:txBody>
@@ -6770,7 +6773,7 @@
           </p:nvSpPr>
           <p:spPr>
             <a:xfrm>
-              <a:off x="5009682" y="2862008"/>
+              <a:off x="5016659" y="2863961"/>
               <a:ext cx="329449" cy="109040"/>
             </a:xfrm>
             <a:prstGeom prst="rect">
@@ -6803,7 +6806,7 @@
                   <a:latin typeface="Arial"/>
                   <a:cs typeface="Arial"/>
                 </a:rPr>
-                <a:t>8.6%</a:t>
+                <a:t>8.8%</a:t>
               </a:r>
             </a:p>
           </p:txBody>
@@ -6816,7 +6819,7 @@
           </p:nvSpPr>
           <p:spPr>
             <a:xfrm>
-              <a:off x="5524823" y="3304000"/>
+              <a:off x="5542140" y="3337735"/>
               <a:ext cx="409835" cy="109040"/>
             </a:xfrm>
             <a:prstGeom prst="rect">
@@ -6849,7 +6852,7 @@
                   <a:latin typeface="Arial"/>
                   <a:cs typeface="Arial"/>
                 </a:rPr>
-                <a:t>17.1%</a:t>
+                <a:t>17.9%</a:t>
               </a:r>
             </a:p>
           </p:txBody>
@@ -6862,7 +6865,7 @@
           </p:nvSpPr>
           <p:spPr>
             <a:xfrm>
-              <a:off x="5498257" y="4295144"/>
+              <a:off x="5476939" y="4321050"/>
               <a:ext cx="289291" cy="109040"/>
             </a:xfrm>
             <a:prstGeom prst="rect">
@@ -6895,7 +6898,7 @@
                   <a:latin typeface="Arial"/>
                   <a:cs typeface="Arial"/>
                 </a:rPr>
-                <a:t>20%</a:t>
+                <a:t>19%</a:t>
               </a:r>
             </a:p>
           </p:txBody>
@@ -6908,7 +6911,7 @@
           </p:nvSpPr>
           <p:spPr>
             <a:xfrm>
-              <a:off x="3833559" y="3856879"/>
+              <a:off x="3833172" y="3854031"/>
               <a:ext cx="409835" cy="109040"/>
             </a:xfrm>
             <a:prstGeom prst="rect">
@@ -6941,7 +6944,7 @@
                   <a:latin typeface="Arial"/>
                   <a:cs typeface="Arial"/>
                 </a:rPr>
-                <a:t>54.4%</a:t>
+                <a:t>54.2%</a:t>
               </a:r>
             </a:p>
           </p:txBody>
@@ -6954,7 +6957,7 @@
           </p:nvSpPr>
           <p:spPr>
             <a:xfrm>
-              <a:off x="5013039" y="2859765"/>
+              <a:off x="5020016" y="2861718"/>
               <a:ext cx="329449" cy="109040"/>
             </a:xfrm>
             <a:prstGeom prst="rect">
@@ -6987,7 +6990,7 @@
                   <a:latin typeface="Arial"/>
                   <a:cs typeface="Arial"/>
                 </a:rPr>
-                <a:t>8.6%</a:t>
+                <a:t>8.8%</a:t>
               </a:r>
             </a:p>
           </p:txBody>
@@ -7000,7 +7003,7 @@
           </p:nvSpPr>
           <p:spPr>
             <a:xfrm>
-              <a:off x="5528180" y="3301757"/>
+              <a:off x="5545497" y="3335492"/>
               <a:ext cx="409835" cy="109040"/>
             </a:xfrm>
             <a:prstGeom prst="rect">
@@ -7033,7 +7036,7 @@
                   <a:latin typeface="Arial"/>
                   <a:cs typeface="Arial"/>
                 </a:rPr>
-                <a:t>17.1%</a:t>
+                <a:t>17.9%</a:t>
               </a:r>
             </a:p>
           </p:txBody>
@@ -7046,7 +7049,7 @@
           </p:nvSpPr>
           <p:spPr>
             <a:xfrm>
-              <a:off x="5501614" y="4292901"/>
+              <a:off x="5480296" y="4318807"/>
               <a:ext cx="289291" cy="109040"/>
             </a:xfrm>
             <a:prstGeom prst="rect">
@@ -7079,7 +7082,7 @@
                   <a:latin typeface="Arial"/>
                   <a:cs typeface="Arial"/>
                 </a:rPr>
-                <a:t>20%</a:t>
+                <a:t>19%</a:t>
               </a:r>
             </a:p>
           </p:txBody>
@@ -7092,7 +7095,7 @@
           </p:nvSpPr>
           <p:spPr>
             <a:xfrm>
-              <a:off x="3836916" y="3854636"/>
+              <a:off x="3836529" y="3851788"/>
               <a:ext cx="409835" cy="109040"/>
             </a:xfrm>
             <a:prstGeom prst="rect">
@@ -7125,7 +7128,7 @@
                   <a:latin typeface="Arial"/>
                   <a:cs typeface="Arial"/>
                 </a:rPr>
-                <a:t>54.4%</a:t>
+                <a:t>54.2%</a:t>
               </a:r>
             </a:p>
           </p:txBody>
@@ -7138,7 +7141,7 @@
           </p:nvSpPr>
           <p:spPr>
             <a:xfrm>
-              <a:off x="5015282" y="2856408"/>
+              <a:off x="5022259" y="2858361"/>
               <a:ext cx="329449" cy="109040"/>
             </a:xfrm>
             <a:prstGeom prst="rect">
@@ -7171,7 +7174,7 @@
                   <a:latin typeface="Arial"/>
                   <a:cs typeface="Arial"/>
                 </a:rPr>
-                <a:t>8.6%</a:t>
+                <a:t>8.8%</a:t>
               </a:r>
             </a:p>
           </p:txBody>
@@ -7184,7 +7187,7 @@
           </p:nvSpPr>
           <p:spPr>
             <a:xfrm>
-              <a:off x="5530423" y="3298401"/>
+              <a:off x="5547740" y="3332136"/>
               <a:ext cx="409835" cy="109040"/>
             </a:xfrm>
             <a:prstGeom prst="rect">
@@ -7217,7 +7220,7 @@
                   <a:latin typeface="Arial"/>
                   <a:cs typeface="Arial"/>
                 </a:rPr>
-                <a:t>17.1%</a:t>
+                <a:t>17.9%</a:t>
               </a:r>
             </a:p>
           </p:txBody>
@@ -7230,7 +7233,7 @@
           </p:nvSpPr>
           <p:spPr>
             <a:xfrm>
-              <a:off x="5503857" y="4289544"/>
+              <a:off x="5482538" y="4315450"/>
               <a:ext cx="289291" cy="109040"/>
             </a:xfrm>
             <a:prstGeom prst="rect">
@@ -7263,7 +7266,7 @@
                   <a:latin typeface="Arial"/>
                   <a:cs typeface="Arial"/>
                 </a:rPr>
-                <a:t>20%</a:t>
+                <a:t>19%</a:t>
               </a:r>
             </a:p>
           </p:txBody>
@@ -7276,7 +7279,7 @@
           </p:nvSpPr>
           <p:spPr>
             <a:xfrm>
-              <a:off x="3839159" y="3851280"/>
+              <a:off x="3838771" y="3848432"/>
               <a:ext cx="409835" cy="109040"/>
             </a:xfrm>
             <a:prstGeom prst="rect">
@@ -7309,7 +7312,7 @@
                   <a:latin typeface="Arial"/>
                   <a:cs typeface="Arial"/>
                 </a:rPr>
-                <a:t>54.4%</a:t>
+                <a:t>54.2%</a:t>
               </a:r>
             </a:p>
           </p:txBody>
@@ -7322,7 +7325,7 @@
           </p:nvSpPr>
           <p:spPr>
             <a:xfrm>
-              <a:off x="5016069" y="2852449"/>
+              <a:off x="5023046" y="2854402"/>
               <a:ext cx="329449" cy="109040"/>
             </a:xfrm>
             <a:prstGeom prst="rect">
@@ -7355,7 +7358,7 @@
                   <a:latin typeface="Arial"/>
                   <a:cs typeface="Arial"/>
                 </a:rPr>
-                <a:t>8.6%</a:t>
+                <a:t>8.8%</a:t>
               </a:r>
             </a:p>
           </p:txBody>
@@ -7368,7 +7371,7 @@
           </p:nvSpPr>
           <p:spPr>
             <a:xfrm>
-              <a:off x="5531210" y="3294441"/>
+              <a:off x="5548527" y="3328176"/>
               <a:ext cx="409835" cy="109040"/>
             </a:xfrm>
             <a:prstGeom prst="rect">
@@ -7401,7 +7404,7 @@
                   <a:latin typeface="Arial"/>
                   <a:cs typeface="Arial"/>
                 </a:rPr>
-                <a:t>17.1%</a:t>
+                <a:t>17.9%</a:t>
               </a:r>
             </a:p>
           </p:txBody>
@@ -7414,7 +7417,7 @@
           </p:nvSpPr>
           <p:spPr>
             <a:xfrm>
-              <a:off x="5504644" y="4285585"/>
+              <a:off x="5483326" y="4311491"/>
               <a:ext cx="289291" cy="109040"/>
             </a:xfrm>
             <a:prstGeom prst="rect">
@@ -7447,7 +7450,7 @@
                   <a:latin typeface="Arial"/>
                   <a:cs typeface="Arial"/>
                 </a:rPr>
-                <a:t>20%</a:t>
+                <a:t>19%</a:t>
               </a:r>
             </a:p>
           </p:txBody>
@@ -7460,7 +7463,7 @@
           </p:nvSpPr>
           <p:spPr>
             <a:xfrm>
-              <a:off x="3839946" y="3847320"/>
+              <a:off x="3839559" y="3844472"/>
               <a:ext cx="409835" cy="109040"/>
             </a:xfrm>
             <a:prstGeom prst="rect">
@@ -7493,7 +7496,7 @@
                   <a:latin typeface="Arial"/>
                   <a:cs typeface="Arial"/>
                 </a:rPr>
-                <a:t>54.4%</a:t>
+                <a:t>54.2%</a:t>
               </a:r>
             </a:p>
           </p:txBody>
@@ -7506,7 +7509,7 @@
           </p:nvSpPr>
           <p:spPr>
             <a:xfrm>
-              <a:off x="5005723" y="2852449"/>
+              <a:off x="5012700" y="2854402"/>
               <a:ext cx="329449" cy="109040"/>
             </a:xfrm>
             <a:prstGeom prst="rect">
@@ -7539,7 +7542,7 @@
                   <a:latin typeface="Arial"/>
                   <a:cs typeface="Arial"/>
                 </a:rPr>
-                <a:t>8.6%</a:t>
+                <a:t>8.8%</a:t>
               </a:r>
             </a:p>
           </p:txBody>
@@ -7552,7 +7555,7 @@
           </p:nvSpPr>
           <p:spPr>
             <a:xfrm>
-              <a:off x="5520864" y="3294441"/>
+              <a:off x="5538181" y="3328176"/>
               <a:ext cx="409835" cy="109040"/>
             </a:xfrm>
             <a:prstGeom prst="rect">
@@ -7585,7 +7588,7 @@
                   <a:latin typeface="Arial"/>
                   <a:cs typeface="Arial"/>
                 </a:rPr>
-                <a:t>17.1%</a:t>
+                <a:t>17.9%</a:t>
               </a:r>
             </a:p>
           </p:txBody>
@@ -7598,7 +7601,7 @@
           </p:nvSpPr>
           <p:spPr>
             <a:xfrm>
-              <a:off x="5494298" y="4285585"/>
+              <a:off x="5472980" y="4311491"/>
               <a:ext cx="289291" cy="109040"/>
             </a:xfrm>
             <a:prstGeom prst="rect">
@@ -7631,7 +7634,7 @@
                   <a:latin typeface="Arial"/>
                   <a:cs typeface="Arial"/>
                 </a:rPr>
-                <a:t>20%</a:t>
+                <a:t>19%</a:t>
               </a:r>
             </a:p>
           </p:txBody>
@@ -7644,7 +7647,7 @@
           </p:nvSpPr>
           <p:spPr>
             <a:xfrm>
-              <a:off x="3829600" y="3847320"/>
+              <a:off x="3829213" y="3844472"/>
               <a:ext cx="409835" cy="109040"/>
             </a:xfrm>
             <a:prstGeom prst="rect">
@@ -7677,7 +7680,7 @@
                   <a:latin typeface="Arial"/>
                   <a:cs typeface="Arial"/>
                 </a:rPr>
-                <a:t>54.4%</a:t>
+                <a:t>54.2%</a:t>
               </a:r>
             </a:p>
           </p:txBody>

--- a/_book/plot/pro-survey-q4-1.pptx
+++ b/_book/plot/pro-survey-q4-1.pptx
@@ -3192,8 +3192,8 @@
           </p:nvSpPr>
           <p:spPr>
             <a:xfrm>
-              <a:off x="2019661" y="1590617"/>
-              <a:ext cx="6917431" cy="4055309"/>
+              <a:off x="2017917" y="1590617"/>
+              <a:ext cx="6919174" cy="4059006"/>
             </a:xfrm>
             <a:prstGeom prst="rect">
               <a:avLst/>
@@ -3218,15 +3218,15 @@
           </p:nvSpPr>
           <p:spPr>
             <a:xfrm>
-              <a:off x="2631736" y="1590617"/>
-              <a:ext cx="0" cy="4055309"/>
+              <a:off x="2630147" y="1590617"/>
+              <a:ext cx="0" cy="4059006"/>
             </a:xfrm>
             <a:custGeom>
               <a:avLst/>
               <a:pathLst>
-                <a:path w="0" h="4055309">
+                <a:path w="0" h="4059006">
                   <a:moveTo>
-                    <a:pt x="0" y="4055309"/>
+                    <a:pt x="0" y="4059006"/>
                   </a:moveTo>
                   <a:lnTo>
                     <a:pt x="0" y="0"/>
@@ -3261,15 +3261,15 @@
           </p:nvSpPr>
           <p:spPr>
             <a:xfrm>
-              <a:off x="3855887" y="1590617"/>
-              <a:ext cx="0" cy="4055309"/>
+              <a:off x="3854606" y="1590617"/>
+              <a:ext cx="0" cy="4059006"/>
             </a:xfrm>
             <a:custGeom>
               <a:avLst/>
               <a:pathLst>
-                <a:path w="0" h="4055309">
+                <a:path w="0" h="4059006">
                   <a:moveTo>
-                    <a:pt x="0" y="4055309"/>
+                    <a:pt x="0" y="4059006"/>
                   </a:moveTo>
                   <a:lnTo>
                     <a:pt x="0" y="0"/>
@@ -3304,15 +3304,15 @@
           </p:nvSpPr>
           <p:spPr>
             <a:xfrm>
-              <a:off x="5080038" y="1590617"/>
-              <a:ext cx="0" cy="4055309"/>
+              <a:off x="5079065" y="1590617"/>
+              <a:ext cx="0" cy="4059006"/>
             </a:xfrm>
             <a:custGeom>
               <a:avLst/>
               <a:pathLst>
-                <a:path w="0" h="4055309">
+                <a:path w="0" h="4059006">
                   <a:moveTo>
-                    <a:pt x="0" y="4055309"/>
+                    <a:pt x="0" y="4059006"/>
                   </a:moveTo>
                   <a:lnTo>
                     <a:pt x="0" y="0"/>
@@ -3347,15 +3347,15 @@
           </p:nvSpPr>
           <p:spPr>
             <a:xfrm>
-              <a:off x="6304188" y="1590617"/>
-              <a:ext cx="0" cy="4055309"/>
+              <a:off x="6303525" y="1590617"/>
+              <a:ext cx="0" cy="4059006"/>
             </a:xfrm>
             <a:custGeom>
               <a:avLst/>
               <a:pathLst>
-                <a:path w="0" h="4055309">
+                <a:path w="0" h="4059006">
                   <a:moveTo>
-                    <a:pt x="0" y="4055309"/>
+                    <a:pt x="0" y="4059006"/>
                   </a:moveTo>
                   <a:lnTo>
                     <a:pt x="0" y="0"/>
@@ -3390,15 +3390,15 @@
           </p:nvSpPr>
           <p:spPr>
             <a:xfrm>
-              <a:off x="7528339" y="1590617"/>
-              <a:ext cx="0" cy="4055309"/>
+              <a:off x="7527984" y="1590617"/>
+              <a:ext cx="0" cy="4059006"/>
             </a:xfrm>
             <a:custGeom>
               <a:avLst/>
               <a:pathLst>
-                <a:path w="0" h="4055309">
+                <a:path w="0" h="4059006">
                   <a:moveTo>
-                    <a:pt x="0" y="4055309"/>
+                    <a:pt x="0" y="4059006"/>
                   </a:moveTo>
                   <a:lnTo>
                     <a:pt x="0" y="0"/>
@@ -3433,15 +3433,15 @@
           </p:nvSpPr>
           <p:spPr>
             <a:xfrm>
-              <a:off x="8752490" y="1590617"/>
-              <a:ext cx="0" cy="4055309"/>
+              <a:off x="8752443" y="1590617"/>
+              <a:ext cx="0" cy="4059006"/>
             </a:xfrm>
             <a:custGeom>
               <a:avLst/>
               <a:pathLst>
-                <a:path w="0" h="4055309">
+                <a:path w="0" h="4059006">
                   <a:moveTo>
-                    <a:pt x="0" y="4055309"/>
+                    <a:pt x="0" y="4059006"/>
                   </a:moveTo>
                   <a:lnTo>
                     <a:pt x="0" y="0"/>
@@ -3476,21 +3476,21 @@
           </p:nvSpPr>
           <p:spPr>
             <a:xfrm>
-              <a:off x="2019661" y="5066596"/>
-              <a:ext cx="6917431" cy="0"/>
+              <a:off x="2017917" y="5069765"/>
+              <a:ext cx="6919174" cy="0"/>
             </a:xfrm>
             <a:custGeom>
               <a:avLst/>
               <a:pathLst>
-                <a:path w="6917431" h="0">
+                <a:path w="6919174" h="0">
                   <a:moveTo>
                     <a:pt x="0" y="0"/>
                   </a:moveTo>
                   <a:lnTo>
-                    <a:pt x="6917431" y="0"/>
-                  </a:lnTo>
-                  <a:lnTo>
-                    <a:pt x="6917431" y="0"/>
+                    <a:pt x="6919174" y="0"/>
+                  </a:lnTo>
+                  <a:lnTo>
+                    <a:pt x="6919174" y="0"/>
                   </a:lnTo>
                 </a:path>
               </a:pathLst>
@@ -3519,21 +3519,21 @@
           </p:nvSpPr>
           <p:spPr>
             <a:xfrm>
-              <a:off x="2019661" y="4101046"/>
-              <a:ext cx="6917431" cy="0"/>
+              <a:off x="2017917" y="4103335"/>
+              <a:ext cx="6919174" cy="0"/>
             </a:xfrm>
             <a:custGeom>
               <a:avLst/>
               <a:pathLst>
-                <a:path w="6917431" h="0">
+                <a:path w="6919174" h="0">
                   <a:moveTo>
                     <a:pt x="0" y="0"/>
                   </a:moveTo>
                   <a:lnTo>
-                    <a:pt x="6917431" y="0"/>
-                  </a:lnTo>
-                  <a:lnTo>
-                    <a:pt x="6917431" y="0"/>
+                    <a:pt x="6919174" y="0"/>
+                  </a:lnTo>
+                  <a:lnTo>
+                    <a:pt x="6919174" y="0"/>
                   </a:lnTo>
                 </a:path>
               </a:pathLst>
@@ -3562,21 +3562,21 @@
           </p:nvSpPr>
           <p:spPr>
             <a:xfrm>
-              <a:off x="2019661" y="3135496"/>
-              <a:ext cx="6917431" cy="0"/>
+              <a:off x="2017917" y="3136905"/>
+              <a:ext cx="6919174" cy="0"/>
             </a:xfrm>
             <a:custGeom>
               <a:avLst/>
               <a:pathLst>
-                <a:path w="6917431" h="0">
+                <a:path w="6919174" h="0">
                   <a:moveTo>
                     <a:pt x="0" y="0"/>
                   </a:moveTo>
                   <a:lnTo>
-                    <a:pt x="6917431" y="0"/>
-                  </a:lnTo>
-                  <a:lnTo>
-                    <a:pt x="6917431" y="0"/>
+                    <a:pt x="6919174" y="0"/>
+                  </a:lnTo>
+                  <a:lnTo>
+                    <a:pt x="6919174" y="0"/>
                   </a:lnTo>
                 </a:path>
               </a:pathLst>
@@ -3605,21 +3605,21 @@
           </p:nvSpPr>
           <p:spPr>
             <a:xfrm>
-              <a:off x="2019661" y="2169947"/>
-              <a:ext cx="6917431" cy="0"/>
+              <a:off x="2017917" y="2170475"/>
+              <a:ext cx="6919174" cy="0"/>
             </a:xfrm>
             <a:custGeom>
               <a:avLst/>
               <a:pathLst>
-                <a:path w="6917431" h="0">
+                <a:path w="6919174" h="0">
                   <a:moveTo>
                     <a:pt x="0" y="0"/>
                   </a:moveTo>
                   <a:lnTo>
-                    <a:pt x="6917431" y="0"/>
-                  </a:lnTo>
-                  <a:lnTo>
-                    <a:pt x="6917431" y="0"/>
+                    <a:pt x="6919174" y="0"/>
+                  </a:lnTo>
+                  <a:lnTo>
+                    <a:pt x="6919174" y="0"/>
                   </a:lnTo>
                 </a:path>
               </a:pathLst>
@@ -3648,15 +3648,15 @@
           </p:nvSpPr>
           <p:spPr>
             <a:xfrm>
-              <a:off x="2019661" y="1590617"/>
-              <a:ext cx="0" cy="4055309"/>
+              <a:off x="2017917" y="1590617"/>
+              <a:ext cx="0" cy="4059006"/>
             </a:xfrm>
             <a:custGeom>
               <a:avLst/>
               <a:pathLst>
-                <a:path w="0" h="4055309">
+                <a:path w="0" h="4059006">
                   <a:moveTo>
-                    <a:pt x="0" y="4055309"/>
+                    <a:pt x="0" y="4059006"/>
                   </a:moveTo>
                   <a:lnTo>
                     <a:pt x="0" y="0"/>
@@ -3691,15 +3691,15 @@
           </p:nvSpPr>
           <p:spPr>
             <a:xfrm>
-              <a:off x="3243811" y="1590617"/>
-              <a:ext cx="0" cy="4055309"/>
+              <a:off x="3242376" y="1590617"/>
+              <a:ext cx="0" cy="4059006"/>
             </a:xfrm>
             <a:custGeom>
               <a:avLst/>
               <a:pathLst>
-                <a:path w="0" h="4055309">
+                <a:path w="0" h="4059006">
                   <a:moveTo>
-                    <a:pt x="0" y="4055309"/>
+                    <a:pt x="0" y="4059006"/>
                   </a:moveTo>
                   <a:lnTo>
                     <a:pt x="0" y="0"/>
@@ -3734,15 +3734,15 @@
           </p:nvSpPr>
           <p:spPr>
             <a:xfrm>
-              <a:off x="4467962" y="1590617"/>
-              <a:ext cx="0" cy="4055309"/>
+              <a:off x="4466836" y="1590617"/>
+              <a:ext cx="0" cy="4059006"/>
             </a:xfrm>
             <a:custGeom>
               <a:avLst/>
               <a:pathLst>
-                <a:path w="0" h="4055309">
+                <a:path w="0" h="4059006">
                   <a:moveTo>
-                    <a:pt x="0" y="4055309"/>
+                    <a:pt x="0" y="4059006"/>
                   </a:moveTo>
                   <a:lnTo>
                     <a:pt x="0" y="0"/>
@@ -3777,15 +3777,15 @@
           </p:nvSpPr>
           <p:spPr>
             <a:xfrm>
-              <a:off x="5692113" y="1590617"/>
-              <a:ext cx="0" cy="4055309"/>
+              <a:off x="5691295" y="1590617"/>
+              <a:ext cx="0" cy="4059006"/>
             </a:xfrm>
             <a:custGeom>
               <a:avLst/>
               <a:pathLst>
-                <a:path w="0" h="4055309">
+                <a:path w="0" h="4059006">
                   <a:moveTo>
-                    <a:pt x="0" y="4055309"/>
+                    <a:pt x="0" y="4059006"/>
                   </a:moveTo>
                   <a:lnTo>
                     <a:pt x="0" y="0"/>
@@ -3820,15 +3820,15 @@
           </p:nvSpPr>
           <p:spPr>
             <a:xfrm>
-              <a:off x="6916264" y="1590617"/>
-              <a:ext cx="0" cy="4055309"/>
+              <a:off x="6915754" y="1590617"/>
+              <a:ext cx="0" cy="4059006"/>
             </a:xfrm>
             <a:custGeom>
               <a:avLst/>
               <a:pathLst>
-                <a:path w="0" h="4055309">
+                <a:path w="0" h="4059006">
                   <a:moveTo>
-                    <a:pt x="0" y="4055309"/>
+                    <a:pt x="0" y="4059006"/>
                   </a:moveTo>
                   <a:lnTo>
                     <a:pt x="0" y="0"/>
@@ -3863,15 +3863,15 @@
           </p:nvSpPr>
           <p:spPr>
             <a:xfrm>
-              <a:off x="8140415" y="1590617"/>
-              <a:ext cx="0" cy="4055309"/>
+              <a:off x="8140214" y="1590617"/>
+              <a:ext cx="0" cy="4059006"/>
             </a:xfrm>
             <a:custGeom>
               <a:avLst/>
               <a:pathLst>
-                <a:path w="0" h="4055309">
+                <a:path w="0" h="4059006">
                   <a:moveTo>
-                    <a:pt x="0" y="4055309"/>
+                    <a:pt x="0" y="4059006"/>
                   </a:moveTo>
                   <a:lnTo>
                     <a:pt x="0" y="0"/>
@@ -3906,8 +3906,8 @@
           </p:nvSpPr>
           <p:spPr>
             <a:xfrm>
-              <a:off x="2019661" y="1735449"/>
-              <a:ext cx="6781795" cy="868994"/>
+              <a:off x="2017917" y="1735581"/>
+              <a:ext cx="6783504" cy="869787"/>
             </a:xfrm>
             <a:prstGeom prst="rect">
               <a:avLst/>
@@ -3932,8 +3932,8 @@
           </p:nvSpPr>
           <p:spPr>
             <a:xfrm>
-              <a:off x="2019661" y="2700999"/>
-              <a:ext cx="2338128" cy="868994"/>
+              <a:off x="2017917" y="2702011"/>
+              <a:ext cx="2338717" cy="869787"/>
             </a:xfrm>
             <a:prstGeom prst="rect">
               <a:avLst/>
@@ -3958,8 +3958,8 @@
           </p:nvSpPr>
           <p:spPr>
             <a:xfrm>
-              <a:off x="2019661" y="3666549"/>
-              <a:ext cx="2240195" cy="868994"/>
+              <a:off x="2017917" y="3668441"/>
+              <a:ext cx="2240760" cy="869787"/>
             </a:xfrm>
             <a:prstGeom prst="rect">
               <a:avLst/>
@@ -3984,8 +3984,8 @@
           </p:nvSpPr>
           <p:spPr>
             <a:xfrm>
-              <a:off x="2019661" y="4632099"/>
-              <a:ext cx="1089494" cy="868994"/>
+              <a:off x="2017917" y="4634872"/>
+              <a:ext cx="1089768" cy="869787"/>
             </a:xfrm>
             <a:prstGeom prst="rect">
               <a:avLst/>
@@ -4010,7 +4010,7 @@
           </p:nvSpPr>
           <p:spPr>
             <a:xfrm>
-              <a:off x="8122628" y="2110594"/>
+              <a:off x="8122558" y="2111122"/>
               <a:ext cx="97818" cy="91466"/>
             </a:xfrm>
             <a:custGeom>
@@ -4245,7 +4245,7 @@
           </p:nvSpPr>
           <p:spPr>
             <a:xfrm>
-              <a:off x="8134485" y="2135154"/>
+              <a:off x="8134415" y="2135683"/>
               <a:ext cx="40651" cy="43192"/>
             </a:xfrm>
             <a:custGeom>
@@ -4294,7 +4294,7 @@
           </p:nvSpPr>
           <p:spPr>
             <a:xfrm>
-              <a:off x="8142954" y="2143200"/>
+              <a:off x="8142884" y="2143728"/>
               <a:ext cx="23713" cy="21172"/>
             </a:xfrm>
             <a:custGeom>
@@ -4337,7 +4337,7 @@
           </p:nvSpPr>
           <p:spPr>
             <a:xfrm>
-              <a:off x="8261099" y="2105936"/>
+              <a:off x="8261029" y="2106464"/>
               <a:ext cx="64788" cy="75798"/>
             </a:xfrm>
             <a:custGeom>
@@ -4509,7 +4509,7 @@
           </p:nvSpPr>
           <p:spPr>
             <a:xfrm>
-              <a:off x="8275073" y="2157598"/>
+              <a:off x="8275003" y="2158126"/>
               <a:ext cx="34723" cy="16514"/>
             </a:xfrm>
             <a:custGeom>
@@ -4552,7 +4552,7 @@
           </p:nvSpPr>
           <p:spPr>
             <a:xfrm>
-              <a:off x="8232304" y="2107206"/>
+              <a:off x="8232234" y="2107734"/>
               <a:ext cx="21172" cy="20325"/>
             </a:xfrm>
             <a:custGeom>
@@ -4649,7 +4649,7 @@
           </p:nvSpPr>
           <p:spPr>
             <a:xfrm>
-              <a:off x="8230610" y="2142353"/>
+              <a:off x="8230540" y="2142881"/>
               <a:ext cx="98242" cy="58860"/>
             </a:xfrm>
             <a:custGeom>
@@ -4675,7 +4675,7 @@
                     <a:pt x="24892" y="42747"/>
                   </a:lnTo>
                   <a:lnTo>
-                    <a:pt x="26101" y="43362"/>
+                    <a:pt x="26101" y="43361"/>
                   </a:lnTo>
                   <a:lnTo>
                     <a:pt x="27365" y="43933"/>
@@ -4860,7 +4860,7 @@
           </p:nvSpPr>
           <p:spPr>
             <a:xfrm>
-              <a:off x="8338168" y="2104242"/>
+              <a:off x="8338098" y="2104770"/>
               <a:ext cx="96124" cy="97818"/>
             </a:xfrm>
             <a:custGeom>
@@ -5065,7 +5065,7 @@
           </p:nvSpPr>
           <p:spPr>
             <a:xfrm>
-              <a:off x="8359341" y="2123721"/>
+              <a:off x="8359271" y="2124249"/>
               <a:ext cx="74104" cy="32182"/>
             </a:xfrm>
             <a:custGeom>
@@ -5144,7 +5144,7 @@
           </p:nvSpPr>
           <p:spPr>
             <a:xfrm>
-              <a:off x="8383478" y="2138965"/>
+              <a:off x="8383408" y="2139494"/>
               <a:ext cx="25830" cy="9739"/>
             </a:xfrm>
             <a:custGeom>
@@ -5187,7 +5187,7 @@
           </p:nvSpPr>
           <p:spPr>
             <a:xfrm>
-              <a:off x="8354683" y="2163103"/>
+              <a:off x="8354613" y="2163631"/>
               <a:ext cx="82574" cy="39381"/>
             </a:xfrm>
             <a:custGeom>
@@ -5416,7 +5416,7 @@
           </p:nvSpPr>
           <p:spPr>
             <a:xfrm>
-              <a:off x="8379667" y="2170301"/>
+              <a:off x="8379597" y="2170829"/>
               <a:ext cx="34723" cy="13127"/>
             </a:xfrm>
             <a:custGeom>
@@ -5510,7 +5510,7 @@
           </p:nvSpPr>
           <p:spPr>
             <a:xfrm>
-              <a:off x="8479603" y="2107630"/>
+              <a:off x="8479533" y="2108158"/>
               <a:ext cx="65212" cy="52508"/>
             </a:xfrm>
             <a:custGeom>
@@ -5589,7 +5589,7 @@
           </p:nvSpPr>
           <p:spPr>
             <a:xfrm>
-              <a:off x="8496964" y="2115252"/>
+              <a:off x="8496894" y="2115780"/>
               <a:ext cx="28371" cy="5928"/>
             </a:xfrm>
             <a:custGeom>
@@ -5632,7 +5632,7 @@
           </p:nvSpPr>
           <p:spPr>
             <a:xfrm>
-              <a:off x="8496964" y="2127956"/>
+              <a:off x="8496894" y="2128484"/>
               <a:ext cx="28371" cy="6351"/>
             </a:xfrm>
             <a:custGeom>
@@ -5675,7 +5675,7 @@
           </p:nvSpPr>
           <p:spPr>
             <a:xfrm>
-              <a:off x="8496964" y="2141083"/>
+              <a:off x="8496894" y="2141611"/>
               <a:ext cx="28371" cy="7622"/>
             </a:xfrm>
             <a:custGeom>
@@ -5718,7 +5718,7 @@
           </p:nvSpPr>
           <p:spPr>
             <a:xfrm>
-              <a:off x="8475368" y="2161832"/>
+              <a:off x="8475298" y="2162360"/>
               <a:ext cx="33029" cy="40228"/>
             </a:xfrm>
             <a:custGeom>
@@ -6040,7 +6040,7 @@
           </p:nvSpPr>
           <p:spPr>
             <a:xfrm>
-              <a:off x="8507551" y="2161832"/>
+              <a:off x="8507481" y="2162360"/>
               <a:ext cx="37264" cy="40228"/>
             </a:xfrm>
             <a:custGeom>
@@ -6362,7 +6362,7 @@
           </p:nvSpPr>
           <p:spPr>
             <a:xfrm>
-              <a:off x="8446997" y="2104665"/>
+              <a:off x="8446926" y="2105194"/>
               <a:ext cx="30065" cy="97395"/>
             </a:xfrm>
             <a:custGeom>
@@ -6684,7 +6684,7 @@
           </p:nvSpPr>
           <p:spPr>
             <a:xfrm>
-              <a:off x="8556248" y="2104665"/>
+              <a:off x="8556178" y="2105194"/>
               <a:ext cx="98665" cy="97395"/>
             </a:xfrm>
             <a:custGeom>
@@ -7057,7 +7057,7 @@
           </p:nvSpPr>
           <p:spPr>
             <a:xfrm>
-              <a:off x="4539054" y="3086402"/>
+              <a:off x="4537936" y="3087810"/>
               <a:ext cx="24983" cy="28795"/>
             </a:xfrm>
             <a:custGeom>
@@ -7154,7 +7154,7 @@
           </p:nvSpPr>
           <p:spPr>
             <a:xfrm>
-              <a:off x="4508142" y="3091060"/>
+              <a:off x="4507024" y="3092468"/>
               <a:ext cx="81727" cy="90619"/>
             </a:xfrm>
             <a:custGeom>
@@ -7629,7 +7629,7 @@
           </p:nvSpPr>
           <p:spPr>
             <a:xfrm>
-              <a:off x="4505601" y="3112233"/>
+              <a:off x="4504483" y="3113641"/>
               <a:ext cx="19055" cy="46580"/>
             </a:xfrm>
             <a:custGeom>
@@ -7726,7 +7726,7 @@
           </p:nvSpPr>
           <p:spPr>
             <a:xfrm>
-              <a:off x="4581400" y="3115197"/>
+              <a:off x="4580282" y="3116605"/>
               <a:ext cx="22019" cy="44039"/>
             </a:xfrm>
             <a:custGeom>
@@ -7823,7 +7823,7 @@
           </p:nvSpPr>
           <p:spPr>
             <a:xfrm>
-              <a:off x="4613159" y="3133829"/>
+              <a:off x="4612041" y="3135238"/>
               <a:ext cx="97818" cy="49121"/>
             </a:xfrm>
             <a:custGeom>
@@ -8070,7 +8070,7 @@
           </p:nvSpPr>
           <p:spPr>
             <a:xfrm>
-              <a:off x="4642801" y="3148650"/>
+              <a:off x="4641683" y="3150059"/>
               <a:ext cx="38958" cy="15667"/>
             </a:xfrm>
             <a:custGeom>
@@ -8167,7 +8167,7 @@
           </p:nvSpPr>
           <p:spPr>
             <a:xfrm>
-              <a:off x="4616970" y="3088096"/>
+              <a:off x="4615852" y="3089504"/>
               <a:ext cx="91466" cy="43192"/>
             </a:xfrm>
             <a:custGeom>
@@ -8234,7 +8234,7 @@
           </p:nvSpPr>
           <p:spPr>
             <a:xfrm>
-              <a:off x="4654658" y="3096141"/>
+              <a:off x="4653540" y="3097550"/>
               <a:ext cx="16938" cy="8469"/>
             </a:xfrm>
             <a:custGeom>
@@ -8277,7 +8277,7 @@
           </p:nvSpPr>
           <p:spPr>
             <a:xfrm>
-              <a:off x="4630521" y="3111809"/>
+              <a:off x="4629403" y="3113218"/>
               <a:ext cx="16514" cy="12280"/>
             </a:xfrm>
             <a:custGeom>
@@ -8320,7 +8320,7 @@
           </p:nvSpPr>
           <p:spPr>
             <a:xfrm>
-              <a:off x="4654658" y="3111809"/>
+              <a:off x="4653540" y="3113218"/>
               <a:ext cx="16938" cy="12280"/>
             </a:xfrm>
             <a:custGeom>
@@ -8363,7 +8363,7 @@
           </p:nvSpPr>
           <p:spPr>
             <a:xfrm>
-              <a:off x="4679219" y="3111809"/>
+              <a:off x="4678100" y="3113218"/>
               <a:ext cx="15667" cy="12280"/>
             </a:xfrm>
             <a:custGeom>
@@ -8406,7 +8406,7 @@
           </p:nvSpPr>
           <p:spPr>
             <a:xfrm>
-              <a:off x="4407669" y="4050681"/>
+              <a:off x="4406526" y="4052970"/>
               <a:ext cx="41075" cy="96971"/>
             </a:xfrm>
             <a:custGeom>
@@ -8485,7 +8485,7 @@
           </p:nvSpPr>
           <p:spPr>
             <a:xfrm>
-              <a:off x="4462718" y="4050681"/>
+              <a:off x="4461575" y="4052970"/>
               <a:ext cx="41922" cy="97395"/>
             </a:xfrm>
             <a:custGeom>
@@ -8564,7 +8564,7 @@
           </p:nvSpPr>
           <p:spPr>
             <a:xfrm>
-              <a:off x="4518615" y="4050681"/>
+              <a:off x="4517472" y="4052970"/>
               <a:ext cx="91890" cy="33029"/>
             </a:xfrm>
             <a:custGeom>
@@ -8763,7 +8763,7 @@
           </p:nvSpPr>
           <p:spPr>
             <a:xfrm>
-              <a:off x="4526237" y="4080747"/>
+              <a:off x="4525094" y="4083036"/>
               <a:ext cx="77069" cy="67753"/>
             </a:xfrm>
             <a:custGeom>
@@ -9004,7 +9004,7 @@
           </p:nvSpPr>
           <p:spPr>
             <a:xfrm>
-              <a:off x="4543599" y="4087522"/>
+              <a:off x="4542456" y="4089811"/>
               <a:ext cx="41498" cy="10586"/>
             </a:xfrm>
             <a:custGeom>
@@ -9047,7 +9047,7 @@
           </p:nvSpPr>
           <p:spPr>
             <a:xfrm>
-              <a:off x="4657932" y="4051952"/>
+              <a:off x="4656789" y="4054240"/>
               <a:ext cx="24983" cy="28795"/>
             </a:xfrm>
             <a:custGeom>
@@ -9144,7 +9144,7 @@
           </p:nvSpPr>
           <p:spPr>
             <a:xfrm>
-              <a:off x="4627020" y="4056610"/>
+              <a:off x="4625877" y="4058899"/>
               <a:ext cx="81727" cy="90619"/>
             </a:xfrm>
             <a:custGeom>
@@ -9619,7 +9619,7 @@
           </p:nvSpPr>
           <p:spPr>
             <a:xfrm>
-              <a:off x="4624479" y="4077783"/>
+              <a:off x="4623336" y="4080071"/>
               <a:ext cx="19055" cy="46580"/>
             </a:xfrm>
             <a:custGeom>
@@ -9716,7 +9716,7 @@
           </p:nvSpPr>
           <p:spPr>
             <a:xfrm>
-              <a:off x="4700278" y="4080747"/>
+              <a:off x="4699135" y="4083036"/>
               <a:ext cx="22019" cy="44039"/>
             </a:xfrm>
             <a:custGeom>
@@ -9813,7 +9813,7 @@
           </p:nvSpPr>
           <p:spPr>
             <a:xfrm>
-              <a:off x="4732037" y="4099379"/>
+              <a:off x="4730894" y="4101668"/>
               <a:ext cx="97818" cy="49121"/>
             </a:xfrm>
             <a:custGeom>
@@ -10060,7 +10060,7 @@
           </p:nvSpPr>
           <p:spPr>
             <a:xfrm>
-              <a:off x="4761679" y="4114200"/>
+              <a:off x="4760536" y="4116489"/>
               <a:ext cx="38958" cy="15667"/>
             </a:xfrm>
             <a:custGeom>
@@ -10157,7 +10157,7 @@
           </p:nvSpPr>
           <p:spPr>
             <a:xfrm>
-              <a:off x="4735848" y="4053646"/>
+              <a:off x="4734705" y="4055934"/>
               <a:ext cx="91466" cy="43192"/>
             </a:xfrm>
             <a:custGeom>
@@ -10224,7 +10224,7 @@
           </p:nvSpPr>
           <p:spPr>
             <a:xfrm>
-              <a:off x="4773536" y="4061691"/>
+              <a:off x="4772393" y="4063980"/>
               <a:ext cx="16938" cy="8469"/>
             </a:xfrm>
             <a:custGeom>
@@ -10267,7 +10267,7 @@
           </p:nvSpPr>
           <p:spPr>
             <a:xfrm>
-              <a:off x="4749399" y="4077359"/>
+              <a:off x="4748256" y="4079648"/>
               <a:ext cx="16514" cy="12280"/>
             </a:xfrm>
             <a:custGeom>
@@ -10310,7 +10310,7 @@
           </p:nvSpPr>
           <p:spPr>
             <a:xfrm>
-              <a:off x="4773536" y="4077359"/>
+              <a:off x="4772393" y="4079648"/>
               <a:ext cx="16938" cy="12280"/>
             </a:xfrm>
             <a:custGeom>
@@ -10353,7 +10353,7 @@
           </p:nvSpPr>
           <p:spPr>
             <a:xfrm>
-              <a:off x="4798096" y="4077359"/>
+              <a:off x="4796953" y="4079648"/>
               <a:ext cx="15667" cy="12280"/>
             </a:xfrm>
             <a:custGeom>
@@ -10396,7 +10396,7 @@
           </p:nvSpPr>
           <p:spPr>
             <a:xfrm>
-              <a:off x="3256120" y="5021313"/>
+              <a:off x="3254687" y="5024482"/>
               <a:ext cx="95277" cy="92313"/>
             </a:xfrm>
             <a:custGeom>
@@ -10544,7 +10544,7 @@
           </p:nvSpPr>
           <p:spPr>
             <a:xfrm>
-              <a:off x="3313711" y="5047991"/>
+              <a:off x="3312278" y="5051159"/>
               <a:ext cx="41498" cy="41075"/>
             </a:xfrm>
             <a:custGeom>
@@ -10641,7 +10641,7 @@
           </p:nvSpPr>
           <p:spPr>
             <a:xfrm>
-              <a:off x="3398825" y="5017502"/>
+              <a:off x="3397392" y="5020671"/>
               <a:ext cx="24983" cy="28795"/>
             </a:xfrm>
             <a:custGeom>
@@ -10738,7 +10738,7 @@
           </p:nvSpPr>
           <p:spPr>
             <a:xfrm>
-              <a:off x="3367913" y="5022160"/>
+              <a:off x="3366480" y="5025329"/>
               <a:ext cx="81727" cy="90619"/>
             </a:xfrm>
             <a:custGeom>
@@ -11213,7 +11213,7 @@
           </p:nvSpPr>
           <p:spPr>
             <a:xfrm>
-              <a:off x="3365372" y="5043332"/>
+              <a:off x="3363939" y="5046501"/>
               <a:ext cx="19055" cy="46580"/>
             </a:xfrm>
             <a:custGeom>
@@ -11310,7 +11310,7 @@
           </p:nvSpPr>
           <p:spPr>
             <a:xfrm>
-              <a:off x="3441171" y="5046297"/>
+              <a:off x="3439738" y="5049466"/>
               <a:ext cx="22019" cy="44039"/>
             </a:xfrm>
             <a:custGeom>
@@ -11407,7 +11407,7 @@
           </p:nvSpPr>
           <p:spPr>
             <a:xfrm>
-              <a:off x="3472930" y="5064929"/>
+              <a:off x="3471497" y="5068098"/>
               <a:ext cx="97818" cy="49121"/>
             </a:xfrm>
             <a:custGeom>
@@ -11654,7 +11654,7 @@
           </p:nvSpPr>
           <p:spPr>
             <a:xfrm>
-              <a:off x="3502572" y="5079750"/>
+              <a:off x="3501139" y="5082919"/>
               <a:ext cx="38958" cy="15667"/>
             </a:xfrm>
             <a:custGeom>
@@ -11751,7 +11751,7 @@
           </p:nvSpPr>
           <p:spPr>
             <a:xfrm>
-              <a:off x="3476742" y="5019195"/>
+              <a:off x="3475308" y="5022364"/>
               <a:ext cx="91466" cy="43192"/>
             </a:xfrm>
             <a:custGeom>
@@ -11818,7 +11818,7 @@
           </p:nvSpPr>
           <p:spPr>
             <a:xfrm>
-              <a:off x="3514429" y="5027241"/>
+              <a:off x="3512996" y="5030410"/>
               <a:ext cx="16938" cy="8469"/>
             </a:xfrm>
             <a:custGeom>
@@ -11861,7 +11861,7 @@
           </p:nvSpPr>
           <p:spPr>
             <a:xfrm>
-              <a:off x="3490292" y="5042909"/>
+              <a:off x="3488859" y="5046078"/>
               <a:ext cx="16514" cy="12280"/>
             </a:xfrm>
             <a:custGeom>
@@ -11904,7 +11904,7 @@
           </p:nvSpPr>
           <p:spPr>
             <a:xfrm>
-              <a:off x="3514429" y="5042909"/>
+              <a:off x="3512996" y="5046078"/>
               <a:ext cx="16938" cy="12280"/>
             </a:xfrm>
             <a:custGeom>
@@ -11947,7 +11947,7 @@
           </p:nvSpPr>
           <p:spPr>
             <a:xfrm>
-              <a:off x="3538990" y="5042909"/>
+              <a:off x="3537557" y="5046078"/>
               <a:ext cx="15667" cy="12280"/>
             </a:xfrm>
             <a:custGeom>
@@ -11990,8 +11990,8 @@
           </p:nvSpPr>
           <p:spPr>
             <a:xfrm>
-              <a:off x="2019661" y="1590617"/>
-              <a:ext cx="6917431" cy="4055309"/>
+              <a:off x="2017917" y="1590617"/>
+              <a:ext cx="6919174" cy="4059006"/>
             </a:xfrm>
             <a:prstGeom prst="rect">
               <a:avLst/>
@@ -12020,7 +12020,7 @@
           </p:nvSpPr>
           <p:spPr>
             <a:xfrm>
-              <a:off x="1924402" y="5028151"/>
+              <a:off x="1922659" y="5031320"/>
               <a:ext cx="59863" cy="76889"/>
             </a:xfrm>
             <a:custGeom>
@@ -12084,7 +12084,7 @@
           </p:nvSpPr>
           <p:spPr>
             <a:xfrm>
-              <a:off x="1936899" y="5042138"/>
+              <a:off x="1935155" y="5045307"/>
               <a:ext cx="22952" cy="35836"/>
             </a:xfrm>
             <a:custGeom>
@@ -12361,7 +12361,7 @@
           </p:nvSpPr>
           <p:spPr>
             <a:xfrm>
-              <a:off x="1925275" y="4061456"/>
+              <a:off x="1923532" y="4063744"/>
               <a:ext cx="55552" cy="79290"/>
             </a:xfrm>
             <a:custGeom>
@@ -13284,7 +13284,7 @@
                     <a:pt x="26919" y="13"/>
                   </a:lnTo>
                   <a:lnTo>
-                    <a:pt x="27939" y="0"/>
+                    <a:pt x="27940" y="0"/>
                   </a:lnTo>
                   <a:lnTo>
                     <a:pt x="29274" y="16"/>
@@ -13670,7 +13670,7 @@
           </p:nvSpPr>
           <p:spPr>
             <a:xfrm>
-              <a:off x="1926585" y="3095906"/>
+              <a:off x="1924841" y="3097314"/>
               <a:ext cx="53806" cy="78035"/>
             </a:xfrm>
             <a:custGeom>
@@ -14436,7 +14436,7 @@
           </p:nvSpPr>
           <p:spPr>
             <a:xfrm>
-              <a:off x="1929750" y="2131502"/>
+              <a:off x="1928007" y="2132030"/>
               <a:ext cx="52005" cy="76889"/>
             </a:xfrm>
             <a:custGeom>
@@ -14500,7 +14500,7 @@
           </p:nvSpPr>
           <p:spPr>
             <a:xfrm>
-              <a:off x="1984866" y="5066596"/>
+              <a:off x="1983123" y="5069765"/>
               <a:ext cx="34794" cy="0"/>
             </a:xfrm>
             <a:custGeom>
@@ -14540,7 +14540,7 @@
           </p:nvSpPr>
           <p:spPr>
             <a:xfrm>
-              <a:off x="1984866" y="4101046"/>
+              <a:off x="1983123" y="4103335"/>
               <a:ext cx="34794" cy="0"/>
             </a:xfrm>
             <a:custGeom>
@@ -14580,7 +14580,7 @@
           </p:nvSpPr>
           <p:spPr>
             <a:xfrm>
-              <a:off x="1984866" y="3135496"/>
+              <a:off x="1983123" y="3136905"/>
               <a:ext cx="34794" cy="0"/>
             </a:xfrm>
             <a:custGeom>
@@ -14620,7 +14620,7 @@
           </p:nvSpPr>
           <p:spPr>
             <a:xfrm>
-              <a:off x="1984866" y="2169947"/>
+              <a:off x="1983123" y="2170475"/>
               <a:ext cx="34794" cy="0"/>
             </a:xfrm>
             <a:custGeom>
@@ -14660,7 +14660,7 @@
           </p:nvSpPr>
           <p:spPr>
             <a:xfrm>
-              <a:off x="2019661" y="5645926"/>
+              <a:off x="2017917" y="5649623"/>
               <a:ext cx="0" cy="34794"/>
             </a:xfrm>
             <a:custGeom>
@@ -14700,7 +14700,7 @@
           </p:nvSpPr>
           <p:spPr>
             <a:xfrm>
-              <a:off x="3243811" y="5645926"/>
+              <a:off x="3242376" y="5649623"/>
               <a:ext cx="0" cy="34794"/>
             </a:xfrm>
             <a:custGeom>
@@ -14740,7 +14740,7 @@
           </p:nvSpPr>
           <p:spPr>
             <a:xfrm>
-              <a:off x="4467962" y="5645926"/>
+              <a:off x="4466836" y="5649623"/>
               <a:ext cx="0" cy="34794"/>
             </a:xfrm>
             <a:custGeom>
@@ -14780,7 +14780,7 @@
           </p:nvSpPr>
           <p:spPr>
             <a:xfrm>
-              <a:off x="5692113" y="5645926"/>
+              <a:off x="5691295" y="5649623"/>
               <a:ext cx="0" cy="34794"/>
             </a:xfrm>
             <a:custGeom>
@@ -14820,7 +14820,7 @@
           </p:nvSpPr>
           <p:spPr>
             <a:xfrm>
-              <a:off x="6916264" y="5645926"/>
+              <a:off x="6915754" y="5649623"/>
               <a:ext cx="0" cy="34794"/>
             </a:xfrm>
             <a:custGeom>
@@ -14860,7 +14860,7 @@
           </p:nvSpPr>
           <p:spPr>
             <a:xfrm>
-              <a:off x="8140415" y="5645926"/>
+              <a:off x="8140214" y="5649623"/>
               <a:ext cx="0" cy="34794"/>
             </a:xfrm>
             <a:custGeom>
@@ -14900,7 +14900,7 @@
           </p:nvSpPr>
           <p:spPr>
             <a:xfrm>
-              <a:off x="1992948" y="5707410"/>
+              <a:off x="1991205" y="5711107"/>
               <a:ext cx="53424" cy="79126"/>
             </a:xfrm>
             <a:custGeom>
@@ -15343,7 +15343,7 @@
                     <a:pt x="48312" y="12306"/>
                   </a:lnTo>
                   <a:lnTo>
-                    <a:pt x="48894" y="13492"/>
+                    <a:pt x="48895" y="13492"/>
                   </a:lnTo>
                   <a:lnTo>
                     <a:pt x="49447" y="14740"/>
@@ -15411,7 +15411,7 @@
           </p:nvSpPr>
           <p:spPr>
             <a:xfrm>
-              <a:off x="2002880" y="5715377"/>
+              <a:off x="2001137" y="5719075"/>
               <a:ext cx="33506" cy="63137"/>
             </a:xfrm>
             <a:custGeom>
@@ -15922,7 +15922,7 @@
           </p:nvSpPr>
           <p:spPr>
             <a:xfrm>
-              <a:off x="3159091" y="5708556"/>
+              <a:off x="3157656" y="5712253"/>
               <a:ext cx="48185" cy="76889"/>
             </a:xfrm>
             <a:custGeom>
@@ -15986,7 +15986,7 @@
           </p:nvSpPr>
           <p:spPr>
             <a:xfrm>
-              <a:off x="3217099" y="5707410"/>
+              <a:off x="3215664" y="5711107"/>
               <a:ext cx="53424" cy="79126"/>
             </a:xfrm>
             <a:custGeom>
@@ -16497,7 +16497,7 @@
           </p:nvSpPr>
           <p:spPr>
             <a:xfrm>
-              <a:off x="3227031" y="5715377"/>
+              <a:off x="3225596" y="5719075"/>
               <a:ext cx="33506" cy="63137"/>
             </a:xfrm>
             <a:custGeom>
@@ -17008,7 +17008,7 @@
           </p:nvSpPr>
           <p:spPr>
             <a:xfrm>
-              <a:off x="3279255" y="5707410"/>
+              <a:off x="3277820" y="5711107"/>
               <a:ext cx="53424" cy="79126"/>
             </a:xfrm>
             <a:custGeom>
@@ -17519,7 +17519,7 @@
           </p:nvSpPr>
           <p:spPr>
             <a:xfrm>
-              <a:off x="3289187" y="5715377"/>
+              <a:off x="3287752" y="5719075"/>
               <a:ext cx="33506" cy="63137"/>
             </a:xfrm>
             <a:custGeom>
@@ -18030,7 +18030,7 @@
           </p:nvSpPr>
           <p:spPr>
             <a:xfrm>
-              <a:off x="4380350" y="5707410"/>
+              <a:off x="4379223" y="5711107"/>
               <a:ext cx="50914" cy="78035"/>
             </a:xfrm>
             <a:custGeom>
@@ -18976,7 +18976,7 @@
           </p:nvSpPr>
           <p:spPr>
             <a:xfrm>
-              <a:off x="4441250" y="5707410"/>
+              <a:off x="4440124" y="5711107"/>
               <a:ext cx="53424" cy="79126"/>
             </a:xfrm>
             <a:custGeom>
@@ -19487,7 +19487,7 @@
           </p:nvSpPr>
           <p:spPr>
             <a:xfrm>
-              <a:off x="4451182" y="5715377"/>
+              <a:off x="4450055" y="5719075"/>
               <a:ext cx="33506" cy="63137"/>
             </a:xfrm>
             <a:custGeom>
@@ -19998,7 +19998,7 @@
           </p:nvSpPr>
           <p:spPr>
             <a:xfrm>
-              <a:off x="4503406" y="5707410"/>
+              <a:off x="4502279" y="5711107"/>
               <a:ext cx="53424" cy="79126"/>
             </a:xfrm>
             <a:custGeom>
@@ -20509,7 +20509,7 @@
           </p:nvSpPr>
           <p:spPr>
             <a:xfrm>
-              <a:off x="4513337" y="5715377"/>
+              <a:off x="4512211" y="5719075"/>
               <a:ext cx="33506" cy="63137"/>
             </a:xfrm>
             <a:custGeom>
@@ -21020,7 +21020,7 @@
           </p:nvSpPr>
           <p:spPr>
             <a:xfrm>
-              <a:off x="5603136" y="5707410"/>
+              <a:off x="5602318" y="5711107"/>
               <a:ext cx="52987" cy="79126"/>
             </a:xfrm>
             <a:custGeom>
@@ -22329,7 +22329,7 @@
           </p:nvSpPr>
           <p:spPr>
             <a:xfrm>
-              <a:off x="5665401" y="5707410"/>
+              <a:off x="5664583" y="5711107"/>
               <a:ext cx="53424" cy="79126"/>
             </a:xfrm>
             <a:custGeom>
@@ -22840,7 +22840,7 @@
           </p:nvSpPr>
           <p:spPr>
             <a:xfrm>
-              <a:off x="5675333" y="5715377"/>
+              <a:off x="5674515" y="5719075"/>
               <a:ext cx="33506" cy="63137"/>
             </a:xfrm>
             <a:custGeom>
@@ -23351,7 +23351,7 @@
           </p:nvSpPr>
           <p:spPr>
             <a:xfrm>
-              <a:off x="5727556" y="5707410"/>
+              <a:off x="5726739" y="5711107"/>
               <a:ext cx="53424" cy="79126"/>
             </a:xfrm>
             <a:custGeom>
@@ -23862,7 +23862,7 @@
           </p:nvSpPr>
           <p:spPr>
             <a:xfrm>
-              <a:off x="5737488" y="5715377"/>
+              <a:off x="5736670" y="5719075"/>
               <a:ext cx="33506" cy="63137"/>
             </a:xfrm>
             <a:custGeom>
@@ -24373,7 +24373,7 @@
           </p:nvSpPr>
           <p:spPr>
             <a:xfrm>
-              <a:off x="6825595" y="5708556"/>
+              <a:off x="6825086" y="5712253"/>
               <a:ext cx="56316" cy="76889"/>
             </a:xfrm>
             <a:custGeom>
@@ -24437,7 +24437,7 @@
           </p:nvSpPr>
           <p:spPr>
             <a:xfrm>
-              <a:off x="6834654" y="5720283"/>
+              <a:off x="6834145" y="5723981"/>
               <a:ext cx="27176" cy="40005"/>
             </a:xfrm>
             <a:custGeom>
@@ -24651,7 +24651,7 @@
           </p:nvSpPr>
           <p:spPr>
             <a:xfrm>
-              <a:off x="6889552" y="5707410"/>
+              <a:off x="6889042" y="5711107"/>
               <a:ext cx="53424" cy="79126"/>
             </a:xfrm>
             <a:custGeom>
@@ -25162,7 +25162,7 @@
           </p:nvSpPr>
           <p:spPr>
             <a:xfrm>
-              <a:off x="6899483" y="5715377"/>
+              <a:off x="6898974" y="5719075"/>
               <a:ext cx="33506" cy="63137"/>
             </a:xfrm>
             <a:custGeom>
@@ -25673,7 +25673,7 @@
           </p:nvSpPr>
           <p:spPr>
             <a:xfrm>
-              <a:off x="6951707" y="5707410"/>
+              <a:off x="6951198" y="5711107"/>
               <a:ext cx="53424" cy="79126"/>
             </a:xfrm>
             <a:custGeom>
@@ -26184,7 +26184,7 @@
           </p:nvSpPr>
           <p:spPr>
             <a:xfrm>
-              <a:off x="6961639" y="5715377"/>
+              <a:off x="6961130" y="5719075"/>
               <a:ext cx="33506" cy="63137"/>
             </a:xfrm>
             <a:custGeom>
@@ -26695,7 +26695,7 @@
           </p:nvSpPr>
           <p:spPr>
             <a:xfrm>
-              <a:off x="8051656" y="5708556"/>
+              <a:off x="8051455" y="5712253"/>
               <a:ext cx="52987" cy="77980"/>
             </a:xfrm>
             <a:custGeom>
@@ -27647,7 +27647,7 @@
           </p:nvSpPr>
           <p:spPr>
             <a:xfrm>
-              <a:off x="8113702" y="5707410"/>
+              <a:off x="8113502" y="5711107"/>
               <a:ext cx="53424" cy="79126"/>
             </a:xfrm>
             <a:custGeom>
@@ -28158,7 +28158,7 @@
           </p:nvSpPr>
           <p:spPr>
             <a:xfrm>
-              <a:off x="8123634" y="5715377"/>
+              <a:off x="8123433" y="5719075"/>
               <a:ext cx="33506" cy="63137"/>
             </a:xfrm>
             <a:custGeom>
@@ -28669,7 +28669,7 @@
           </p:nvSpPr>
           <p:spPr>
             <a:xfrm>
-              <a:off x="8175858" y="5707410"/>
+              <a:off x="8175657" y="5711107"/>
               <a:ext cx="53424" cy="79126"/>
             </a:xfrm>
             <a:custGeom>
@@ -29180,7 +29180,7 @@
           </p:nvSpPr>
           <p:spPr>
             <a:xfrm>
-              <a:off x="8185790" y="5715377"/>
+              <a:off x="8185589" y="5719075"/>
               <a:ext cx="33506" cy="63137"/>
             </a:xfrm>
             <a:custGeom>
